--- a/25-07-Birmingham/SVGs.pptx
+++ b/25-07-Birmingham/SVGs.pptx
@@ -9,26 +9,27 @@
     <p:sldId id="258" r:id="rId3"/>
     <p:sldId id="267" r:id="rId4"/>
     <p:sldId id="290" r:id="rId5"/>
-    <p:sldId id="273" r:id="rId6"/>
-    <p:sldId id="283" r:id="rId7"/>
-    <p:sldId id="285" r:id="rId8"/>
-    <p:sldId id="270" r:id="rId9"/>
-    <p:sldId id="275" r:id="rId10"/>
-    <p:sldId id="289" r:id="rId11"/>
-    <p:sldId id="284" r:id="rId12"/>
-    <p:sldId id="281" r:id="rId13"/>
-    <p:sldId id="288" r:id="rId14"/>
-    <p:sldId id="282" r:id="rId15"/>
-    <p:sldId id="278" r:id="rId16"/>
-    <p:sldId id="280" r:id="rId17"/>
-    <p:sldId id="268" r:id="rId18"/>
-    <p:sldId id="279" r:id="rId19"/>
-    <p:sldId id="287" r:id="rId20"/>
-    <p:sldId id="286" r:id="rId21"/>
-    <p:sldId id="264" r:id="rId22"/>
-    <p:sldId id="277" r:id="rId23"/>
-    <p:sldId id="263" r:id="rId24"/>
-    <p:sldId id="265" r:id="rId25"/>
+    <p:sldId id="291" r:id="rId6"/>
+    <p:sldId id="273" r:id="rId7"/>
+    <p:sldId id="283" r:id="rId8"/>
+    <p:sldId id="275" r:id="rId9"/>
+    <p:sldId id="289" r:id="rId10"/>
+    <p:sldId id="284" r:id="rId11"/>
+    <p:sldId id="281" r:id="rId12"/>
+    <p:sldId id="288" r:id="rId13"/>
+    <p:sldId id="282" r:id="rId14"/>
+    <p:sldId id="278" r:id="rId15"/>
+    <p:sldId id="280" r:id="rId16"/>
+    <p:sldId id="268" r:id="rId17"/>
+    <p:sldId id="279" r:id="rId18"/>
+    <p:sldId id="287" r:id="rId19"/>
+    <p:sldId id="285" r:id="rId20"/>
+    <p:sldId id="270" r:id="rId21"/>
+    <p:sldId id="286" r:id="rId22"/>
+    <p:sldId id="264" r:id="rId23"/>
+    <p:sldId id="277" r:id="rId24"/>
+    <p:sldId id="263" r:id="rId25"/>
+    <p:sldId id="265" r:id="rId26"/>
   </p:sldIdLst>
   <p:sldSz cx="12192000" cy="6858000"/>
   <p:notesSz cx="6858000" cy="9144000"/>
@@ -136,18 +137,13 @@
             <p14:sldId id="258"/>
             <p14:sldId id="267"/>
             <p14:sldId id="290"/>
+            <p14:sldId id="291"/>
           </p14:sldIdLst>
         </p14:section>
         <p14:section name="Static SVG" id="{DBF9FA45-C777-4567-AB8B-99F7945356E7}">
           <p14:sldIdLst>
             <p14:sldId id="273"/>
             <p14:sldId id="283"/>
-          </p14:sldIdLst>
-        </p14:section>
-        <p14:section name="Sparklines" id="{1D921CBF-CAC8-48FF-872D-42D3D627325D}">
-          <p14:sldIdLst>
-            <p14:sldId id="285"/>
-            <p14:sldId id="270"/>
           </p14:sldIdLst>
         </p14:section>
         <p14:section name="Dynamic SVGs" id="{F12B5A8D-71B8-4DA8-8C3D-5BC1B48D2FCE}">
@@ -171,6 +167,12 @@
             <p14:sldId id="268"/>
             <p14:sldId id="279"/>
             <p14:sldId id="287"/>
+          </p14:sldIdLst>
+        </p14:section>
+        <p14:section name="Sparklines" id="{1D921CBF-CAC8-48FF-872D-42D3D627325D}">
+          <p14:sldIdLst>
+            <p14:sldId id="285"/>
+            <p14:sldId id="270"/>
           </p14:sldIdLst>
         </p14:section>
         <p14:section name="Best Practices" id="{24A3D2FF-DB0E-4883-9C30-720A1AE4C213}">
@@ -198,7 +200,7 @@
 <file path=ppt/revisionInfo.xml><?xml version="1.0" encoding="utf-8"?>
 <p1510:revInfo xmlns:a="http://schemas.openxmlformats.org/drawingml/2006/main" xmlns:r="http://schemas.openxmlformats.org/officeDocument/2006/relationships" xmlns:p1510="http://schemas.microsoft.com/office/powerpoint/2015/10/main">
   <p1510:revLst>
-    <p1510:client id="{3A75FCC5-D635-4867-9DA7-2A3CA13681D4}" v="8" dt="2025-06-14T20:46:45.379"/>
+    <p1510:client id="{3A75FCC5-D635-4867-9DA7-2A3CA13681D4}" v="16" dt="2025-06-29T20:25:26.449"/>
   </p1510:revLst>
 </p1510:revInfo>
 </file>
@@ -207,8 +209,8 @@
 <pc:chgInfo xmlns:a="http://schemas.openxmlformats.org/drawingml/2006/main" xmlns:r="http://schemas.openxmlformats.org/officeDocument/2006/relationships" xmlns:ac="http://schemas.microsoft.com/office/drawing/2013/main/command" xmlns:pc="http://schemas.microsoft.com/office/powerpoint/2013/main/command">
   <pc:docChgLst>
     <pc:chgData name="Jake Duddy" userId="7a8a0c806e99fd3e" providerId="LiveId" clId="{3A75FCC5-D635-4867-9DA7-2A3CA13681D4}"/>
-    <pc:docChg chg="undo custSel modSld sldOrd modSection">
-      <pc:chgData name="Jake Duddy" userId="7a8a0c806e99fd3e" providerId="LiveId" clId="{3A75FCC5-D635-4867-9DA7-2A3CA13681D4}" dt="2025-06-14T20:51:07.632" v="75"/>
+    <pc:docChg chg="undo custSel addSld modSld sldOrd modSection">
+      <pc:chgData name="Jake Duddy" userId="7a8a0c806e99fd3e" providerId="LiveId" clId="{3A75FCC5-D635-4867-9DA7-2A3CA13681D4}" dt="2025-06-29T20:25:45.627" v="337" actId="207"/>
       <pc:docMkLst>
         <pc:docMk/>
       </pc:docMkLst>
@@ -218,14 +220,6 @@
           <pc:docMk/>
           <pc:sldMk cId="3614430531" sldId="257"/>
         </pc:sldMkLst>
-        <pc:spChg chg="add del mod">
-          <ac:chgData name="Jake Duddy" userId="7a8a0c806e99fd3e" providerId="LiveId" clId="{3A75FCC5-D635-4867-9DA7-2A3CA13681D4}" dt="2025-06-14T20:46:35.624" v="48" actId="478"/>
-          <ac:spMkLst>
-            <pc:docMk/>
-            <pc:sldMk cId="3614430531" sldId="257"/>
-            <ac:spMk id="2" creationId="{E9394781-17C0-5BF6-DBA7-6A1BC9ADE9BE}"/>
-          </ac:spMkLst>
-        </pc:spChg>
         <pc:spChg chg="mod">
           <ac:chgData name="Jake Duddy" userId="7a8a0c806e99fd3e" providerId="LiveId" clId="{3A75FCC5-D635-4867-9DA7-2A3CA13681D4}" dt="2025-06-14T20:46:53.867" v="55" actId="207"/>
           <ac:spMkLst>
@@ -250,11 +244,104 @@
           <pc:sldMk cId="271090301" sldId="263"/>
         </pc:sldMkLst>
       </pc:sldChg>
-      <pc:sldChg chg="ord">
-        <pc:chgData name="Jake Duddy" userId="7a8a0c806e99fd3e" providerId="LiveId" clId="{3A75FCC5-D635-4867-9DA7-2A3CA13681D4}" dt="2025-06-14T20:51:07.632" v="75"/>
+      <pc:sldChg chg="addSp delSp modSp mod ord">
+        <pc:chgData name="Jake Duddy" userId="7a8a0c806e99fd3e" providerId="LiveId" clId="{3A75FCC5-D635-4867-9DA7-2A3CA13681D4}" dt="2025-06-29T20:25:45.627" v="337" actId="207"/>
         <pc:sldMkLst>
           <pc:docMk/>
           <pc:sldMk cId="1521373976" sldId="264"/>
+        </pc:sldMkLst>
+        <pc:spChg chg="add del mod">
+          <ac:chgData name="Jake Duddy" userId="7a8a0c806e99fd3e" providerId="LiveId" clId="{3A75FCC5-D635-4867-9DA7-2A3CA13681D4}" dt="2025-06-29T20:25:30.149" v="330" actId="478"/>
+          <ac:spMkLst>
+            <pc:docMk/>
+            <pc:sldMk cId="1521373976" sldId="264"/>
+            <ac:spMk id="4" creationId="{AD04CBE3-946D-24BC-8520-4D28083ABE42}"/>
+          </ac:spMkLst>
+        </pc:spChg>
+        <pc:spChg chg="add mod">
+          <ac:chgData name="Jake Duddy" userId="7a8a0c806e99fd3e" providerId="LiveId" clId="{3A75FCC5-D635-4867-9DA7-2A3CA13681D4}" dt="2025-06-29T20:25:45.627" v="337" actId="207"/>
+          <ac:spMkLst>
+            <pc:docMk/>
+            <pc:sldMk cId="1521373976" sldId="264"/>
+            <ac:spMk id="5" creationId="{CA7A592B-EBE1-1CA1-44FD-DEB50450DB04}"/>
+          </ac:spMkLst>
+        </pc:spChg>
+        <pc:picChg chg="mod">
+          <ac:chgData name="Jake Duddy" userId="7a8a0c806e99fd3e" providerId="LiveId" clId="{3A75FCC5-D635-4867-9DA7-2A3CA13681D4}" dt="2025-06-29T20:25:16.935" v="325" actId="1076"/>
+          <ac:picMkLst>
+            <pc:docMk/>
+            <pc:sldMk cId="1521373976" sldId="264"/>
+            <ac:picMk id="3074" creationId="{93190ED2-F41A-9E55-C8DD-2A03427365A3}"/>
+          </ac:picMkLst>
+        </pc:picChg>
+      </pc:sldChg>
+      <pc:sldChg chg="modSp mod">
+        <pc:chgData name="Jake Duddy" userId="7a8a0c806e99fd3e" providerId="LiveId" clId="{3A75FCC5-D635-4867-9DA7-2A3CA13681D4}" dt="2025-06-29T20:18:06.956" v="180" actId="20577"/>
+        <pc:sldMkLst>
+          <pc:docMk/>
+          <pc:sldMk cId="214369071" sldId="265"/>
+        </pc:sldMkLst>
+        <pc:spChg chg="mod">
+          <ac:chgData name="Jake Duddy" userId="7a8a0c806e99fd3e" providerId="LiveId" clId="{3A75FCC5-D635-4867-9DA7-2A3CA13681D4}" dt="2025-06-29T20:18:06.956" v="180" actId="20577"/>
+          <ac:spMkLst>
+            <pc:docMk/>
+            <pc:sldMk cId="214369071" sldId="265"/>
+            <ac:spMk id="3" creationId="{B7DDBDCC-93CD-41CB-DF25-409E0193DB24}"/>
+          </ac:spMkLst>
+        </pc:spChg>
+      </pc:sldChg>
+      <pc:sldChg chg="addSp delSp modSp mod">
+        <pc:chgData name="Jake Duddy" userId="7a8a0c806e99fd3e" providerId="LiveId" clId="{3A75FCC5-D635-4867-9DA7-2A3CA13681D4}" dt="2025-06-29T19:37:48.569" v="92" actId="1076"/>
+        <pc:sldMkLst>
+          <pc:docMk/>
+          <pc:sldMk cId="3325961361" sldId="267"/>
+        </pc:sldMkLst>
+        <pc:spChg chg="add del">
+          <ac:chgData name="Jake Duddy" userId="7a8a0c806e99fd3e" providerId="LiveId" clId="{3A75FCC5-D635-4867-9DA7-2A3CA13681D4}" dt="2025-06-29T19:36:01.841" v="79" actId="22"/>
+          <ac:spMkLst>
+            <pc:docMk/>
+            <pc:sldMk cId="3325961361" sldId="267"/>
+            <ac:spMk id="6" creationId="{14DA70A2-6921-FF24-7501-84DEB6071AAE}"/>
+          </ac:spMkLst>
+        </pc:spChg>
+        <pc:graphicFrameChg chg="modGraphic">
+          <ac:chgData name="Jake Duddy" userId="7a8a0c806e99fd3e" providerId="LiveId" clId="{3A75FCC5-D635-4867-9DA7-2A3CA13681D4}" dt="2025-06-29T19:37:25.895" v="89" actId="20577"/>
+          <ac:graphicFrameMkLst>
+            <pc:docMk/>
+            <pc:sldMk cId="3325961361" sldId="267"/>
+            <ac:graphicFrameMk id="4" creationId="{8041E635-FC2F-EFC2-BB01-27615B9A92C0}"/>
+          </ac:graphicFrameMkLst>
+        </pc:graphicFrameChg>
+        <pc:picChg chg="add mod">
+          <ac:chgData name="Jake Duddy" userId="7a8a0c806e99fd3e" providerId="LiveId" clId="{3A75FCC5-D635-4867-9DA7-2A3CA13681D4}" dt="2025-06-29T19:35:22.263" v="77" actId="1076"/>
+          <ac:picMkLst>
+            <pc:docMk/>
+            <pc:sldMk cId="3325961361" sldId="267"/>
+            <ac:picMk id="3" creationId="{CA4CC03B-0ECA-4EC2-D04B-A6EC5B6D1988}"/>
+          </ac:picMkLst>
+        </pc:picChg>
+        <pc:picChg chg="add mod">
+          <ac:chgData name="Jake Duddy" userId="7a8a0c806e99fd3e" providerId="LiveId" clId="{3A75FCC5-D635-4867-9DA7-2A3CA13681D4}" dt="2025-06-29T19:37:46.081" v="91" actId="14100"/>
+          <ac:picMkLst>
+            <pc:docMk/>
+            <pc:sldMk cId="3325961361" sldId="267"/>
+            <ac:picMk id="8" creationId="{B9FB57FB-0D7D-50A3-593E-ABFADF43CDF0}"/>
+          </ac:picMkLst>
+        </pc:picChg>
+        <pc:picChg chg="add mod">
+          <ac:chgData name="Jake Duddy" userId="7a8a0c806e99fd3e" providerId="LiveId" clId="{3A75FCC5-D635-4867-9DA7-2A3CA13681D4}" dt="2025-06-29T19:37:48.569" v="92" actId="1076"/>
+          <ac:picMkLst>
+            <pc:docMk/>
+            <pc:sldMk cId="3325961361" sldId="267"/>
+            <ac:picMk id="9" creationId="{81400E05-2D83-03B9-2A62-3C224837D6B5}"/>
+          </ac:picMkLst>
+        </pc:picChg>
+      </pc:sldChg>
+      <pc:sldChg chg="ord">
+        <pc:chgData name="Jake Duddy" userId="7a8a0c806e99fd3e" providerId="LiveId" clId="{3A75FCC5-D635-4867-9DA7-2A3CA13681D4}" dt="2025-06-29T20:05:18.450" v="94"/>
+        <pc:sldMkLst>
+          <pc:docMk/>
+          <pc:sldMk cId="3415868673" sldId="270"/>
         </pc:sldMkLst>
       </pc:sldChg>
       <pc:sldChg chg="ord">
@@ -288,11 +375,97 @@
         </pc:spChg>
       </pc:sldChg>
       <pc:sldChg chg="ord">
+        <pc:chgData name="Jake Duddy" userId="7a8a0c806e99fd3e" providerId="LiveId" clId="{3A75FCC5-D635-4867-9DA7-2A3CA13681D4}" dt="2025-06-29T20:05:18.450" v="94"/>
+        <pc:sldMkLst>
+          <pc:docMk/>
+          <pc:sldMk cId="2677008088" sldId="285"/>
+        </pc:sldMkLst>
+      </pc:sldChg>
+      <pc:sldChg chg="ord">
         <pc:chgData name="Jake Duddy" userId="7a8a0c806e99fd3e" providerId="LiveId" clId="{3A75FCC5-D635-4867-9DA7-2A3CA13681D4}" dt="2025-06-14T20:51:07.632" v="75"/>
         <pc:sldMkLst>
           <pc:docMk/>
           <pc:sldMk cId="612898767" sldId="286"/>
         </pc:sldMkLst>
+      </pc:sldChg>
+      <pc:sldChg chg="delSp modSp add mod">
+        <pc:chgData name="Jake Duddy" userId="7a8a0c806e99fd3e" providerId="LiveId" clId="{3A75FCC5-D635-4867-9DA7-2A3CA13681D4}" dt="2025-06-29T20:24:40.990" v="323" actId="20577"/>
+        <pc:sldMkLst>
+          <pc:docMk/>
+          <pc:sldMk cId="1653492328" sldId="291"/>
+        </pc:sldMkLst>
+        <pc:spChg chg="mod">
+          <ac:chgData name="Jake Duddy" userId="7a8a0c806e99fd3e" providerId="LiveId" clId="{3A75FCC5-D635-4867-9DA7-2A3CA13681D4}" dt="2025-06-29T20:23:27.577" v="217" actId="20577"/>
+          <ac:spMkLst>
+            <pc:docMk/>
+            <pc:sldMk cId="1653492328" sldId="291"/>
+            <ac:spMk id="2" creationId="{A4F0959C-EFF4-F462-0E98-E621810BA603}"/>
+          </ac:spMkLst>
+        </pc:spChg>
+        <pc:spChg chg="mod">
+          <ac:chgData name="Jake Duddy" userId="7a8a0c806e99fd3e" providerId="LiveId" clId="{3A75FCC5-D635-4867-9DA7-2A3CA13681D4}" dt="2025-06-29T20:24:40.990" v="323" actId="20577"/>
+          <ac:spMkLst>
+            <pc:docMk/>
+            <pc:sldMk cId="1653492328" sldId="291"/>
+            <ac:spMk id="3" creationId="{368E64A4-9D20-864A-BBA1-908197E3FD46}"/>
+          </ac:spMkLst>
+        </pc:spChg>
+        <pc:spChg chg="del">
+          <ac:chgData name="Jake Duddy" userId="7a8a0c806e99fd3e" providerId="LiveId" clId="{3A75FCC5-D635-4867-9DA7-2A3CA13681D4}" dt="2025-06-29T20:23:49.642" v="224" actId="478"/>
+          <ac:spMkLst>
+            <pc:docMk/>
+            <pc:sldMk cId="1653492328" sldId="291"/>
+            <ac:spMk id="7" creationId="{FE39271D-9E89-D57C-729B-C3B1FD404150}"/>
+          </ac:spMkLst>
+        </pc:spChg>
+        <pc:spChg chg="del">
+          <ac:chgData name="Jake Duddy" userId="7a8a0c806e99fd3e" providerId="LiveId" clId="{3A75FCC5-D635-4867-9DA7-2A3CA13681D4}" dt="2025-06-29T20:23:49.642" v="224" actId="478"/>
+          <ac:spMkLst>
+            <pc:docMk/>
+            <pc:sldMk cId="1653492328" sldId="291"/>
+            <ac:spMk id="8" creationId="{8202CAA3-DD4C-8B51-1443-26AE4644ED38}"/>
+          </ac:spMkLst>
+        </pc:spChg>
+        <pc:spChg chg="del">
+          <ac:chgData name="Jake Duddy" userId="7a8a0c806e99fd3e" providerId="LiveId" clId="{3A75FCC5-D635-4867-9DA7-2A3CA13681D4}" dt="2025-06-29T20:23:49.642" v="224" actId="478"/>
+          <ac:spMkLst>
+            <pc:docMk/>
+            <pc:sldMk cId="1653492328" sldId="291"/>
+            <ac:spMk id="9" creationId="{31355B5B-D640-CFB4-A6F6-108D73CF9310}"/>
+          </ac:spMkLst>
+        </pc:spChg>
+        <pc:spChg chg="del">
+          <ac:chgData name="Jake Duddy" userId="7a8a0c806e99fd3e" providerId="LiveId" clId="{3A75FCC5-D635-4867-9DA7-2A3CA13681D4}" dt="2025-06-29T20:23:49.642" v="224" actId="478"/>
+          <ac:spMkLst>
+            <pc:docMk/>
+            <pc:sldMk cId="1653492328" sldId="291"/>
+            <ac:spMk id="12" creationId="{8C49F82E-8458-4289-747A-AD14B8A17E02}"/>
+          </ac:spMkLst>
+        </pc:spChg>
+        <pc:spChg chg="del">
+          <ac:chgData name="Jake Duddy" userId="7a8a0c806e99fd3e" providerId="LiveId" clId="{3A75FCC5-D635-4867-9DA7-2A3CA13681D4}" dt="2025-06-29T20:23:49.642" v="224" actId="478"/>
+          <ac:spMkLst>
+            <pc:docMk/>
+            <pc:sldMk cId="1653492328" sldId="291"/>
+            <ac:spMk id="13" creationId="{F253C153-3BDB-496B-EDC3-33EF2F46EF82}"/>
+          </ac:spMkLst>
+        </pc:spChg>
+        <pc:spChg chg="del">
+          <ac:chgData name="Jake Duddy" userId="7a8a0c806e99fd3e" providerId="LiveId" clId="{3A75FCC5-D635-4867-9DA7-2A3CA13681D4}" dt="2025-06-29T20:23:49.642" v="224" actId="478"/>
+          <ac:spMkLst>
+            <pc:docMk/>
+            <pc:sldMk cId="1653492328" sldId="291"/>
+            <ac:spMk id="14" creationId="{08D9D5F7-E6CF-DCE0-FAFC-01E91A79E731}"/>
+          </ac:spMkLst>
+        </pc:spChg>
+        <pc:cxnChg chg="del">
+          <ac:chgData name="Jake Duddy" userId="7a8a0c806e99fd3e" providerId="LiveId" clId="{3A75FCC5-D635-4867-9DA7-2A3CA13681D4}" dt="2025-06-29T20:23:49.642" v="224" actId="478"/>
+          <ac:cxnSpMkLst>
+            <pc:docMk/>
+            <pc:sldMk cId="1653492328" sldId="291"/>
+            <ac:cxnSpMk id="11" creationId="{C8E2A3A3-2DBB-D8AA-D33E-45BF81C72B40}"/>
+          </ac:cxnSpMkLst>
+        </pc:cxnChg>
       </pc:sldChg>
     </pc:docChg>
   </pc:docChgLst>
@@ -2064,7 +2237,7 @@
           <a:p>
             <a:fld id="{28C765AC-4321-4C4E-8A2D-60007643505B}" type="datetimeFigureOut">
               <a:rPr lang="en-GB" smtClean="0"/>
-              <a:t>14/06/2025</a:t>
+              <a:t>29/06/2025</a:t>
             </a:fld>
             <a:endParaRPr lang="en-GB"/>
           </a:p>
@@ -2262,7 +2435,7 @@
           <a:p>
             <a:fld id="{28C765AC-4321-4C4E-8A2D-60007643505B}" type="datetimeFigureOut">
               <a:rPr lang="en-GB" smtClean="0"/>
-              <a:t>14/06/2025</a:t>
+              <a:t>29/06/2025</a:t>
             </a:fld>
             <a:endParaRPr lang="en-GB"/>
           </a:p>
@@ -2470,7 +2643,7 @@
           <a:p>
             <a:fld id="{28C765AC-4321-4C4E-8A2D-60007643505B}" type="datetimeFigureOut">
               <a:rPr lang="en-GB" smtClean="0"/>
-              <a:t>14/06/2025</a:t>
+              <a:t>29/06/2025</a:t>
             </a:fld>
             <a:endParaRPr lang="en-GB"/>
           </a:p>
@@ -2668,7 +2841,7 @@
           <a:p>
             <a:fld id="{28C765AC-4321-4C4E-8A2D-60007643505B}" type="datetimeFigureOut">
               <a:rPr lang="en-GB" smtClean="0"/>
-              <a:t>14/06/2025</a:t>
+              <a:t>29/06/2025</a:t>
             </a:fld>
             <a:endParaRPr lang="en-GB"/>
           </a:p>
@@ -2943,7 +3116,7 @@
           <a:p>
             <a:fld id="{28C765AC-4321-4C4E-8A2D-60007643505B}" type="datetimeFigureOut">
               <a:rPr lang="en-GB" smtClean="0"/>
-              <a:t>14/06/2025</a:t>
+              <a:t>29/06/2025</a:t>
             </a:fld>
             <a:endParaRPr lang="en-GB"/>
           </a:p>
@@ -3208,7 +3381,7 @@
           <a:p>
             <a:fld id="{28C765AC-4321-4C4E-8A2D-60007643505B}" type="datetimeFigureOut">
               <a:rPr lang="en-GB" smtClean="0"/>
-              <a:t>14/06/2025</a:t>
+              <a:t>29/06/2025</a:t>
             </a:fld>
             <a:endParaRPr lang="en-GB"/>
           </a:p>
@@ -3620,7 +3793,7 @@
           <a:p>
             <a:fld id="{28C765AC-4321-4C4E-8A2D-60007643505B}" type="datetimeFigureOut">
               <a:rPr lang="en-GB" smtClean="0"/>
-              <a:t>14/06/2025</a:t>
+              <a:t>29/06/2025</a:t>
             </a:fld>
             <a:endParaRPr lang="en-GB"/>
           </a:p>
@@ -3761,7 +3934,7 @@
           <a:p>
             <a:fld id="{28C765AC-4321-4C4E-8A2D-60007643505B}" type="datetimeFigureOut">
               <a:rPr lang="en-GB" smtClean="0"/>
-              <a:t>14/06/2025</a:t>
+              <a:t>29/06/2025</a:t>
             </a:fld>
             <a:endParaRPr lang="en-GB"/>
           </a:p>
@@ -3874,7 +4047,7 @@
           <a:p>
             <a:fld id="{28C765AC-4321-4C4E-8A2D-60007643505B}" type="datetimeFigureOut">
               <a:rPr lang="en-GB" smtClean="0"/>
-              <a:t>14/06/2025</a:t>
+              <a:t>29/06/2025</a:t>
             </a:fld>
             <a:endParaRPr lang="en-GB"/>
           </a:p>
@@ -4185,7 +4358,7 @@
           <a:p>
             <a:fld id="{28C765AC-4321-4C4E-8A2D-60007643505B}" type="datetimeFigureOut">
               <a:rPr lang="en-GB" smtClean="0"/>
-              <a:t>14/06/2025</a:t>
+              <a:t>29/06/2025</a:t>
             </a:fld>
             <a:endParaRPr lang="en-GB"/>
           </a:p>
@@ -4473,7 +4646,7 @@
           <a:p>
             <a:fld id="{28C765AC-4321-4C4E-8A2D-60007643505B}" type="datetimeFigureOut">
               <a:rPr lang="en-GB" smtClean="0"/>
-              <a:t>14/06/2025</a:t>
+              <a:t>29/06/2025</a:t>
             </a:fld>
             <a:endParaRPr lang="en-GB"/>
           </a:p>
@@ -4714,7 +4887,7 @@
           <a:p>
             <a:fld id="{28C765AC-4321-4C4E-8A2D-60007643505B}" type="datetimeFigureOut">
               <a:rPr lang="en-GB" smtClean="0"/>
-              <a:t>14/06/2025</a:t>
+              <a:t>29/06/2025</a:t>
             </a:fld>
             <a:endParaRPr lang="en-GB"/>
           </a:p>
@@ -5453,150 +5626,6 @@
 </file>
 
 <file path=ppt/slides/slide10.xml><?xml version="1.0" encoding="utf-8"?>
-<p:sld xmlns:a="http://schemas.openxmlformats.org/drawingml/2006/main" xmlns:r="http://schemas.openxmlformats.org/officeDocument/2006/relationships" xmlns:p="http://schemas.openxmlformats.org/presentationml/2006/main">
-  <p:cSld>
-    <p:spTree>
-      <p:nvGrpSpPr>
-        <p:cNvPr id="1" name="">
-          <a:extLst>
-            <a:ext uri="{FF2B5EF4-FFF2-40B4-BE49-F238E27FC236}">
-              <a16:creationId xmlns:a16="http://schemas.microsoft.com/office/drawing/2014/main" id="{6AB7D9D8-72A9-8E72-DDC6-BE3A61AFC098}"/>
-            </a:ext>
-          </a:extLst>
-        </p:cNvPr>
-        <p:cNvGrpSpPr/>
-        <p:nvPr/>
-      </p:nvGrpSpPr>
-      <p:grpSpPr>
-        <a:xfrm>
-          <a:off x="0" y="0"/>
-          <a:ext cx="0" cy="0"/>
-          <a:chOff x="0" y="0"/>
-          <a:chExt cx="0" cy="0"/>
-        </a:xfrm>
-      </p:grpSpPr>
-      <p:sp>
-        <p:nvSpPr>
-          <p:cNvPr id="2" name="Title 1">
-            <a:extLst>
-              <a:ext uri="{FF2B5EF4-FFF2-40B4-BE49-F238E27FC236}">
-                <a16:creationId xmlns:a16="http://schemas.microsoft.com/office/drawing/2014/main" id="{BAAB7F54-B282-35BB-188E-CF1AB427C9AB}"/>
-              </a:ext>
-            </a:extLst>
-          </p:cNvPr>
-          <p:cNvSpPr>
-            <a:spLocks noGrp="1"/>
-          </p:cNvSpPr>
-          <p:nvPr>
-            <p:ph type="title"/>
-          </p:nvPr>
-        </p:nvSpPr>
-        <p:spPr/>
-        <p:txBody>
-          <a:bodyPr/>
-          <a:lstStyle/>
-          <a:p>
-            <a:r>
-              <a:rPr lang="en-GB" sz="4400" b="1" dirty="0">
-                <a:solidFill>
-                  <a:srgbClr val="074D49"/>
-                </a:solidFill>
-                <a:highlight>
-                  <a:srgbClr val="FFFFFF"/>
-                </a:highlight>
-                <a:latin typeface="Graphik Meetup"/>
-              </a:rPr>
-              <a:t>Creating a SVG Graph</a:t>
-            </a:r>
-            <a:endParaRPr lang="en-GB" dirty="0"/>
-          </a:p>
-        </p:txBody>
-      </p:sp>
-      <p:sp>
-        <p:nvSpPr>
-          <p:cNvPr id="10" name="Content Placeholder 9">
-            <a:extLst>
-              <a:ext uri="{FF2B5EF4-FFF2-40B4-BE49-F238E27FC236}">
-                <a16:creationId xmlns:a16="http://schemas.microsoft.com/office/drawing/2014/main" id="{E5A7C631-5962-1D98-BB6B-B8C82518730B}"/>
-              </a:ext>
-            </a:extLst>
-          </p:cNvPr>
-          <p:cNvSpPr>
-            <a:spLocks noGrp="1"/>
-          </p:cNvSpPr>
-          <p:nvPr>
-            <p:ph idx="1"/>
-          </p:nvPr>
-        </p:nvSpPr>
-        <p:spPr/>
-        <p:txBody>
-          <a:bodyPr/>
-          <a:lstStyle/>
-          <a:p>
-            <a:r>
-              <a:rPr lang="en-GB" dirty="0"/>
-              <a:t>Define marks</a:t>
-            </a:r>
-          </a:p>
-          <a:p>
-            <a:pPr lvl="1"/>
-            <a:r>
-              <a:rPr lang="en-GB" dirty="0"/>
-              <a:t>Line, </a:t>
-            </a:r>
-            <a:r>
-              <a:rPr lang="en-GB" dirty="0" err="1"/>
-              <a:t>Rect</a:t>
-            </a:r>
-            <a:r>
-              <a:rPr lang="en-GB" dirty="0"/>
-              <a:t>, Circle</a:t>
-            </a:r>
-          </a:p>
-          <a:p>
-            <a:r>
-              <a:rPr lang="en-GB" dirty="0"/>
-              <a:t>Define Scale</a:t>
-            </a:r>
-          </a:p>
-          <a:p>
-            <a:pPr lvl="1"/>
-            <a:r>
-              <a:rPr lang="en-GB" dirty="0"/>
-              <a:t>X, Y, size, colour</a:t>
-            </a:r>
-          </a:p>
-          <a:p>
-            <a:r>
-              <a:rPr lang="en-GB" dirty="0"/>
-              <a:t>Map data to marks</a:t>
-            </a:r>
-          </a:p>
-          <a:p>
-            <a:r>
-              <a:rPr lang="en-GB" dirty="0"/>
-              <a:t>Map data scale to SVG scale</a:t>
-            </a:r>
-          </a:p>
-          <a:p>
-            <a:endParaRPr lang="en-GB" dirty="0"/>
-          </a:p>
-        </p:txBody>
-      </p:sp>
-    </p:spTree>
-    <p:extLst>
-      <p:ext uri="{BB962C8B-B14F-4D97-AF65-F5344CB8AC3E}">
-        <p14:creationId xmlns:p14="http://schemas.microsoft.com/office/powerpoint/2010/main" val="2778347506"/>
-      </p:ext>
-    </p:extLst>
-  </p:cSld>
-  <p:clrMapOvr>
-    <a:masterClrMapping/>
-  </p:clrMapOvr>
-</p:sld>
-</file>
-
-<file path=ppt/slides/slide11.xml><?xml version="1.0" encoding="utf-8"?>
 <p:sld xmlns:a="http://schemas.openxmlformats.org/drawingml/2006/main" xmlns:r="http://schemas.openxmlformats.org/officeDocument/2006/relationships" xmlns:p="http://schemas.openxmlformats.org/presentationml/2006/main">
   <p:cSld>
     <p:spTree>
@@ -7703,7 +7732,7 @@
 </p:sld>
 </file>
 
-<file path=ppt/slides/slide12.xml><?xml version="1.0" encoding="utf-8"?>
+<file path=ppt/slides/slide11.xml><?xml version="1.0" encoding="utf-8"?>
 <p:sld xmlns:a="http://schemas.openxmlformats.org/drawingml/2006/main" xmlns:r="http://schemas.openxmlformats.org/officeDocument/2006/relationships" xmlns:p="http://schemas.openxmlformats.org/presentationml/2006/main">
   <p:cSld>
     <p:spTree>
@@ -7801,7 +7830,7 @@
 </p:sld>
 </file>
 
-<file path=ppt/slides/slide13.xml><?xml version="1.0" encoding="utf-8"?>
+<file path=ppt/slides/slide12.xml><?xml version="1.0" encoding="utf-8"?>
 <p:sld xmlns:a="http://schemas.openxmlformats.org/drawingml/2006/main" xmlns:r="http://schemas.openxmlformats.org/officeDocument/2006/relationships" xmlns:p="http://schemas.openxmlformats.org/presentationml/2006/main">
   <p:cSld>
     <p:spTree>
@@ -7897,7 +7926,7 @@
 </p:sld>
 </file>
 
-<file path=ppt/slides/slide14.xml><?xml version="1.0" encoding="utf-8"?>
+<file path=ppt/slides/slide13.xml><?xml version="1.0" encoding="utf-8"?>
 <p:sld xmlns:a="http://schemas.openxmlformats.org/drawingml/2006/main" xmlns:r="http://schemas.openxmlformats.org/officeDocument/2006/relationships" xmlns:p="http://schemas.openxmlformats.org/presentationml/2006/main">
   <p:cSld>
     <p:spTree>
@@ -11639,7 +11668,7 @@
 </p:sld>
 </file>
 
-<file path=ppt/slides/slide15.xml><?xml version="1.0" encoding="utf-8"?>
+<file path=ppt/slides/slide14.xml><?xml version="1.0" encoding="utf-8"?>
 <p:sld xmlns:a="http://schemas.openxmlformats.org/drawingml/2006/main" xmlns:r="http://schemas.openxmlformats.org/officeDocument/2006/relationships" xmlns:p="http://schemas.openxmlformats.org/presentationml/2006/main">
   <p:cSld>
     <p:spTree>
@@ -11737,7 +11766,7 @@
 </p:sld>
 </file>
 
-<file path=ppt/slides/slide16.xml><?xml version="1.0" encoding="utf-8"?>
+<file path=ppt/slides/slide15.xml><?xml version="1.0" encoding="utf-8"?>
 <p:sld xmlns:a="http://schemas.openxmlformats.org/drawingml/2006/main" xmlns:r="http://schemas.openxmlformats.org/officeDocument/2006/relationships" xmlns:p="http://schemas.openxmlformats.org/presentationml/2006/main">
   <p:cSld>
     <p:spTree>
@@ -12114,7 +12143,7 @@
 </p:sld>
 </file>
 
-<file path=ppt/slides/slide17.xml><?xml version="1.0" encoding="utf-8"?>
+<file path=ppt/slides/slide16.xml><?xml version="1.0" encoding="utf-8"?>
 <p:sld xmlns:a="http://schemas.openxmlformats.org/drawingml/2006/main" xmlns:r="http://schemas.openxmlformats.org/officeDocument/2006/relationships" xmlns:p="http://schemas.openxmlformats.org/presentationml/2006/main">
   <p:cSld>
     <p:spTree>
@@ -17797,7 +17826,7 @@
 </p:sld>
 </file>
 
-<file path=ppt/slides/slide18.xml><?xml version="1.0" encoding="utf-8"?>
+<file path=ppt/slides/slide17.xml><?xml version="1.0" encoding="utf-8"?>
 <p:sld xmlns:a="http://schemas.openxmlformats.org/drawingml/2006/main" xmlns:r="http://schemas.openxmlformats.org/officeDocument/2006/relationships" xmlns:p="http://schemas.openxmlformats.org/presentationml/2006/main">
   <p:cSld>
     <p:spTree>
@@ -18056,7 +18085,7 @@
 </p:sld>
 </file>
 
-<file path=ppt/slides/slide19.xml><?xml version="1.0" encoding="utf-8"?>
+<file path=ppt/slides/slide18.xml><?xml version="1.0" encoding="utf-8"?>
 <p:sld xmlns:a="http://schemas.openxmlformats.org/drawingml/2006/main" xmlns:r="http://schemas.openxmlformats.org/officeDocument/2006/relationships" xmlns:p="http://schemas.openxmlformats.org/presentationml/2006/main">
   <p:cSld>
     <p:spTree>
@@ -20609,6 +20638,104 @@
 </p:sld>
 </file>
 
+<file path=ppt/slides/slide19.xml><?xml version="1.0" encoding="utf-8"?>
+<p:sld xmlns:a="http://schemas.openxmlformats.org/drawingml/2006/main" xmlns:r="http://schemas.openxmlformats.org/officeDocument/2006/relationships" xmlns:p="http://schemas.openxmlformats.org/presentationml/2006/main">
+  <p:cSld>
+    <p:spTree>
+      <p:nvGrpSpPr>
+        <p:cNvPr id="1" name="">
+          <a:extLst>
+            <a:ext uri="{FF2B5EF4-FFF2-40B4-BE49-F238E27FC236}">
+              <a16:creationId xmlns:a16="http://schemas.microsoft.com/office/drawing/2014/main" id="{36AFE84C-7549-05F8-AFB5-2734DA92E4EB}"/>
+            </a:ext>
+          </a:extLst>
+        </p:cNvPr>
+        <p:cNvGrpSpPr/>
+        <p:nvPr/>
+      </p:nvGrpSpPr>
+      <p:grpSpPr>
+        <a:xfrm>
+          <a:off x="0" y="0"/>
+          <a:ext cx="0" cy="0"/>
+          <a:chOff x="0" y="0"/>
+          <a:chExt cx="0" cy="0"/>
+        </a:xfrm>
+      </p:grpSpPr>
+      <p:sp>
+        <p:nvSpPr>
+          <p:cNvPr id="12" name="Title 1">
+            <a:extLst>
+              <a:ext uri="{FF2B5EF4-FFF2-40B4-BE49-F238E27FC236}">
+                <a16:creationId xmlns:a16="http://schemas.microsoft.com/office/drawing/2014/main" id="{A89E304B-8D72-8421-3589-D94EB5B4DD9C}"/>
+              </a:ext>
+            </a:extLst>
+          </p:cNvPr>
+          <p:cNvSpPr txBox="1">
+            <a:spLocks/>
+          </p:cNvSpPr>
+          <p:nvPr/>
+        </p:nvSpPr>
+        <p:spPr>
+          <a:xfrm>
+            <a:off x="838200" y="2709908"/>
+            <a:ext cx="10593977" cy="1325563"/>
+          </a:xfrm>
+          <a:prstGeom prst="rect">
+            <a:avLst/>
+          </a:prstGeom>
+        </p:spPr>
+        <p:txBody>
+          <a:bodyPr vert="horz" lIns="91440" tIns="45720" rIns="91440" bIns="45720" rtlCol="0" anchor="ctr">
+            <a:normAutofit/>
+          </a:bodyPr>
+          <a:lstStyle>
+            <a:lvl1pPr algn="l" defTabSz="914400" rtl="0" eaLnBrk="1" latinLnBrk="0" hangingPunct="1">
+              <a:lnSpc>
+                <a:spcPct val="90000"/>
+              </a:lnSpc>
+              <a:spcBef>
+                <a:spcPct val="0"/>
+              </a:spcBef>
+              <a:buNone/>
+              <a:defRPr sz="4400" kern="1200">
+                <a:solidFill>
+                  <a:schemeClr val="tx1"/>
+                </a:solidFill>
+                <a:latin typeface="+mj-lt"/>
+                <a:ea typeface="+mj-ea"/>
+                <a:cs typeface="+mj-cs"/>
+              </a:defRPr>
+            </a:lvl1pPr>
+          </a:lstStyle>
+          <a:p>
+            <a:r>
+              <a:rPr lang="en-GB" sz="4800" b="1" dirty="0">
+                <a:solidFill>
+                  <a:srgbClr val="074D49"/>
+                </a:solidFill>
+                <a:highlight>
+                  <a:srgbClr val="FFFFFF"/>
+                </a:highlight>
+                <a:latin typeface="Graphik Meetup"/>
+              </a:rPr>
+              <a:t>Sparklines</a:t>
+            </a:r>
+          </a:p>
+        </p:txBody>
+      </p:sp>
+    </p:spTree>
+    <p:extLst>
+      <p:ext uri="{BB962C8B-B14F-4D97-AF65-F5344CB8AC3E}">
+        <p14:creationId xmlns:p14="http://schemas.microsoft.com/office/powerpoint/2010/main" val="2677008088"/>
+      </p:ext>
+    </p:extLst>
+  </p:cSld>
+  <p:clrMapOvr>
+    <a:masterClrMapping/>
+  </p:clrMapOvr>
+</p:sld>
+</file>
+
 <file path=ppt/slides/slide2.xml><?xml version="1.0" encoding="utf-8"?>
 <p:sld xmlns:a="http://schemas.openxmlformats.org/drawingml/2006/main" xmlns:r="http://schemas.openxmlformats.org/officeDocument/2006/relationships" xmlns:p="http://schemas.openxmlformats.org/presentationml/2006/main">
   <p:cSld>
@@ -21007,6 +21134,273 @@
   <p:cSld>
     <p:spTree>
       <p:nvGrpSpPr>
+        <p:cNvPr id="1" name=""/>
+        <p:cNvGrpSpPr/>
+        <p:nvPr/>
+      </p:nvGrpSpPr>
+      <p:grpSpPr>
+        <a:xfrm>
+          <a:off x="0" y="0"/>
+          <a:ext cx="0" cy="0"/>
+          <a:chOff x="0" y="0"/>
+          <a:chExt cx="0" cy="0"/>
+        </a:xfrm>
+      </p:grpSpPr>
+      <p:sp>
+        <p:nvSpPr>
+          <p:cNvPr id="2" name="Title 1">
+            <a:extLst>
+              <a:ext uri="{FF2B5EF4-FFF2-40B4-BE49-F238E27FC236}">
+                <a16:creationId xmlns:a16="http://schemas.microsoft.com/office/drawing/2014/main" id="{84ED6C3C-6C62-8EB4-65A9-32FBB2F3045F}"/>
+              </a:ext>
+            </a:extLst>
+          </p:cNvPr>
+          <p:cNvSpPr>
+            <a:spLocks noGrp="1"/>
+          </p:cNvSpPr>
+          <p:nvPr>
+            <p:ph type="title"/>
+          </p:nvPr>
+        </p:nvSpPr>
+        <p:spPr/>
+        <p:txBody>
+          <a:bodyPr/>
+          <a:lstStyle/>
+          <a:p>
+            <a:r>
+              <a:rPr lang="en-GB" sz="4400" b="1" dirty="0">
+                <a:solidFill>
+                  <a:srgbClr val="074D49"/>
+                </a:solidFill>
+                <a:highlight>
+                  <a:srgbClr val="FFFFFF"/>
+                </a:highlight>
+                <a:latin typeface="Graphik Meetup"/>
+              </a:rPr>
+              <a:t>What Can We Learn From Sparklines?</a:t>
+            </a:r>
+            <a:endParaRPr lang="en-GB" dirty="0"/>
+          </a:p>
+        </p:txBody>
+      </p:sp>
+      <p:sp>
+        <p:nvSpPr>
+          <p:cNvPr id="3" name="Content Placeholder 2">
+            <a:extLst>
+              <a:ext uri="{FF2B5EF4-FFF2-40B4-BE49-F238E27FC236}">
+                <a16:creationId xmlns:a16="http://schemas.microsoft.com/office/drawing/2014/main" id="{F969A0FC-9A86-E5FD-EF82-96333727E304}"/>
+              </a:ext>
+            </a:extLst>
+          </p:cNvPr>
+          <p:cNvSpPr>
+            <a:spLocks noGrp="1"/>
+          </p:cNvSpPr>
+          <p:nvPr>
+            <p:ph idx="1"/>
+          </p:nvPr>
+        </p:nvSpPr>
+        <p:spPr/>
+        <p:txBody>
+          <a:bodyPr>
+            <a:normAutofit/>
+          </a:bodyPr>
+          <a:lstStyle/>
+          <a:p>
+            <a:r>
+              <a:rPr lang="en-GB" sz="2000" dirty="0"/>
+              <a:t>Structured like SVG</a:t>
+            </a:r>
+            <a:endParaRPr lang="en-GB" sz="2000" dirty="0">
+              <a:latin typeface="Consolas" panose="020B0609020204030204" pitchFamily="49" charset="0"/>
+            </a:endParaRPr>
+          </a:p>
+          <a:p>
+            <a:pPr marL="457200" lvl="1" indent="0">
+              <a:buNone/>
+            </a:pPr>
+            <a:r>
+              <a:rPr lang="en-GB" sz="1800" dirty="0">
+                <a:latin typeface="Consolas" panose="020B0609020204030204" pitchFamily="49" charset="0"/>
+              </a:rPr>
+              <a:t>"{""p"":</a:t>
+            </a:r>
+          </a:p>
+          <a:p>
+            <a:pPr marL="457200" lvl="1" indent="0">
+              <a:buNone/>
+            </a:pPr>
+            <a:r>
+              <a:rPr lang="en-GB" sz="1800" dirty="0">
+                <a:latin typeface="Consolas" panose="020B0609020204030204" pitchFamily="49" charset="0"/>
+              </a:rPr>
+              <a:t>[[45725,100.0], … [45754,31.0]],</a:t>
+            </a:r>
+          </a:p>
+          <a:p>
+            <a:pPr marL="457200" lvl="1" indent="0">
+              <a:buNone/>
+            </a:pPr>
+            <a:r>
+              <a:rPr lang="en-GB" sz="1800" dirty="0">
+                <a:latin typeface="Consolas" panose="020B0609020204030204" pitchFamily="49" charset="0"/>
+              </a:rPr>
+              <a:t>""yl"":3314,</a:t>
+            </a:r>
+          </a:p>
+          <a:p>
+            <a:pPr marL="457200" lvl="1" indent="0">
+              <a:buNone/>
+            </a:pPr>
+            <a:r>
+              <a:rPr lang="en-GB" sz="1800" dirty="0">
+                <a:latin typeface="Consolas" panose="020B0609020204030204" pitchFamily="49" charset="0"/>
+              </a:rPr>
+              <a:t>""yh"":7360,</a:t>
+            </a:r>
+          </a:p>
+          <a:p>
+            <a:pPr marL="457200" lvl="1" indent="0">
+              <a:buNone/>
+            </a:pPr>
+            <a:r>
+              <a:rPr lang="en-GB" sz="1800" dirty="0">
+                <a:latin typeface="Consolas" panose="020B0609020204030204" pitchFamily="49" charset="0"/>
+              </a:rPr>
+              <a:t>""xl"":45725,</a:t>
+            </a:r>
+          </a:p>
+          <a:p>
+            <a:pPr marL="457200" lvl="1" indent="0">
+              <a:buNone/>
+            </a:pPr>
+            <a:r>
+              <a:rPr lang="en-GB" sz="1800" dirty="0">
+                <a:latin typeface="Consolas" panose="020B0609020204030204" pitchFamily="49" charset="0"/>
+              </a:rPr>
+              <a:t>""xh"":45755,</a:t>
+            </a:r>
+          </a:p>
+          <a:p>
+            <a:pPr marL="457200" lvl="1" indent="0">
+              <a:buNone/>
+            </a:pPr>
+            <a:r>
+              <a:rPr lang="en-GB" sz="1800" dirty="0">
+                <a:latin typeface="Consolas" panose="020B0609020204030204" pitchFamily="49" charset="0"/>
+              </a:rPr>
+              <a:t>""md"":1</a:t>
+            </a:r>
+          </a:p>
+          <a:p>
+            <a:pPr marL="457200" lvl="1" indent="0">
+              <a:buNone/>
+            </a:pPr>
+            <a:r>
+              <a:rPr lang="en-GB" sz="1800" dirty="0">
+                <a:latin typeface="Consolas" panose="020B0609020204030204" pitchFamily="49" charset="0"/>
+              </a:rPr>
+              <a:t>}"</a:t>
+            </a:r>
+          </a:p>
+          <a:p>
+            <a:r>
+              <a:rPr lang="en-GB" sz="2000" dirty="0"/>
+              <a:t>Creates an </a:t>
+            </a:r>
+            <a:r>
+              <a:rPr lang="en-GB" sz="2000" dirty="0" err="1"/>
+              <a:t>adhoc</a:t>
+            </a:r>
+            <a:r>
+              <a:rPr lang="en-GB" sz="2000" dirty="0"/>
+              <a:t> measure with a performant query template for generating dynamic SVGs</a:t>
+            </a:r>
+            <a:endParaRPr lang="en-GB" sz="2000" dirty="0">
+              <a:latin typeface="Consolas" panose="020B0609020204030204" pitchFamily="49" charset="0"/>
+            </a:endParaRPr>
+          </a:p>
+          <a:p>
+            <a:pPr marL="0" indent="0">
+              <a:buNone/>
+            </a:pPr>
+            <a:endParaRPr lang="en-GB" sz="2000" dirty="0">
+              <a:latin typeface="Consolas" panose="020B0609020204030204" pitchFamily="49" charset="0"/>
+            </a:endParaRPr>
+          </a:p>
+          <a:p>
+            <a:pPr marL="0" indent="0">
+              <a:buNone/>
+            </a:pPr>
+            <a:endParaRPr lang="en-GB" sz="2000" dirty="0">
+              <a:latin typeface="Consolas" panose="020B0609020204030204" pitchFamily="49" charset="0"/>
+            </a:endParaRPr>
+          </a:p>
+        </p:txBody>
+      </p:sp>
+      <p:sp>
+        <p:nvSpPr>
+          <p:cNvPr id="5" name="TextBox 4">
+            <a:extLst>
+              <a:ext uri="{FF2B5EF4-FFF2-40B4-BE49-F238E27FC236}">
+                <a16:creationId xmlns:a16="http://schemas.microsoft.com/office/drawing/2014/main" id="{B757CE0F-7F30-098A-6CAB-BAF76F56FF67}"/>
+              </a:ext>
+            </a:extLst>
+          </p:cNvPr>
+          <p:cNvSpPr txBox="1"/>
+          <p:nvPr/>
+        </p:nvSpPr>
+        <p:spPr>
+          <a:xfrm>
+            <a:off x="190500" y="6438384"/>
+            <a:ext cx="11830050" cy="369332"/>
+          </a:xfrm>
+          <a:prstGeom prst="rect">
+            <a:avLst/>
+          </a:prstGeom>
+          <a:noFill/>
+        </p:spPr>
+        <p:txBody>
+          <a:bodyPr wrap="square">
+            <a:spAutoFit/>
+          </a:bodyPr>
+          <a:lstStyle/>
+          <a:p>
+            <a:pPr algn="ctr"/>
+            <a:r>
+              <a:rPr lang="en-GB" dirty="0">
+                <a:solidFill>
+                  <a:srgbClr val="1CC0A5"/>
+                </a:solidFill>
+                <a:hlinkClick r:id="rId2"/>
+              </a:rPr>
+              <a:t>https://evaluationcontext.github.io/posts/SVG-Sparkline/</a:t>
+            </a:r>
+            <a:endParaRPr lang="en-GB" dirty="0">
+              <a:solidFill>
+                <a:srgbClr val="1CC0A5"/>
+              </a:solidFill>
+            </a:endParaRPr>
+          </a:p>
+        </p:txBody>
+      </p:sp>
+    </p:spTree>
+    <p:extLst>
+      <p:ext uri="{BB962C8B-B14F-4D97-AF65-F5344CB8AC3E}">
+        <p14:creationId xmlns:p14="http://schemas.microsoft.com/office/powerpoint/2010/main" val="3415868673"/>
+      </p:ext>
+    </p:extLst>
+  </p:cSld>
+  <p:clrMapOvr>
+    <a:masterClrMapping/>
+  </p:clrMapOvr>
+</p:sld>
+</file>
+
+<file path=ppt/slides/slide21.xml><?xml version="1.0" encoding="utf-8"?>
+<p:sld xmlns:a="http://schemas.openxmlformats.org/drawingml/2006/main" xmlns:r="http://schemas.openxmlformats.org/officeDocument/2006/relationships" xmlns:p="http://schemas.openxmlformats.org/presentationml/2006/main">
+  <p:cSld>
+    <p:spTree>
+      <p:nvGrpSpPr>
         <p:cNvPr id="1" name="">
           <a:extLst>
             <a:ext uri="{FF2B5EF4-FFF2-40B4-BE49-F238E27FC236}">
@@ -21100,7 +21494,7 @@
 </p:sld>
 </file>
 
-<file path=ppt/slides/slide21.xml><?xml version="1.0" encoding="utf-8"?>
+<file path=ppt/slides/slide22.xml><?xml version="1.0" encoding="utf-8"?>
 <p:sld xmlns:a="http://schemas.openxmlformats.org/drawingml/2006/main" xmlns:r="http://schemas.openxmlformats.org/officeDocument/2006/relationships" xmlns:p="http://schemas.openxmlformats.org/presentationml/2006/main">
   <p:cSld>
     <p:spTree>
@@ -21183,8 +21577,8 @@
         </p:blipFill>
         <p:spPr bwMode="auto">
           <a:xfrm>
-            <a:off x="1361872" y="1906621"/>
-            <a:ext cx="9481226" cy="4156953"/>
+            <a:off x="1569489" y="1906622"/>
+            <a:ext cx="8086928" cy="3545636"/>
           </a:xfrm>
           <a:prstGeom prst="rect">
             <a:avLst/>
@@ -21201,6 +21595,212 @@
           </a:extLst>
         </p:spPr>
       </p:pic>
+      <p:sp>
+        <p:nvSpPr>
+          <p:cNvPr id="5" name="Content Placeholder 2">
+            <a:extLst>
+              <a:ext uri="{FF2B5EF4-FFF2-40B4-BE49-F238E27FC236}">
+                <a16:creationId xmlns:a16="http://schemas.microsoft.com/office/drawing/2014/main" id="{CA7A592B-EBE1-1CA1-44FD-DEB50450DB04}"/>
+              </a:ext>
+            </a:extLst>
+          </p:cNvPr>
+          <p:cNvSpPr txBox="1">
+            <a:spLocks/>
+          </p:cNvSpPr>
+          <p:nvPr/>
+        </p:nvSpPr>
+        <p:spPr>
+          <a:xfrm>
+            <a:off x="838200" y="5751443"/>
+            <a:ext cx="10515600" cy="425520"/>
+          </a:xfrm>
+          <a:prstGeom prst="rect">
+            <a:avLst/>
+          </a:prstGeom>
+        </p:spPr>
+        <p:txBody>
+          <a:bodyPr vert="horz" lIns="91440" tIns="45720" rIns="91440" bIns="45720" rtlCol="0">
+            <a:normAutofit/>
+          </a:bodyPr>
+          <a:lstStyle>
+            <a:lvl1pPr marL="228600" indent="-228600" algn="l" defTabSz="914400" rtl="0" eaLnBrk="1" latinLnBrk="0" hangingPunct="1">
+              <a:lnSpc>
+                <a:spcPct val="90000"/>
+              </a:lnSpc>
+              <a:spcBef>
+                <a:spcPts val="1000"/>
+              </a:spcBef>
+              <a:buFont typeface="Arial" panose="020B0604020202020204" pitchFamily="34" charset="0"/>
+              <a:buChar char="•"/>
+              <a:defRPr sz="2800" kern="1200">
+                <a:solidFill>
+                  <a:schemeClr val="tx1"/>
+                </a:solidFill>
+                <a:latin typeface="+mn-lt"/>
+                <a:ea typeface="+mn-ea"/>
+                <a:cs typeface="+mn-cs"/>
+              </a:defRPr>
+            </a:lvl1pPr>
+            <a:lvl2pPr marL="685800" indent="-228600" algn="l" defTabSz="914400" rtl="0" eaLnBrk="1" latinLnBrk="0" hangingPunct="1">
+              <a:lnSpc>
+                <a:spcPct val="90000"/>
+              </a:lnSpc>
+              <a:spcBef>
+                <a:spcPts val="500"/>
+              </a:spcBef>
+              <a:buFont typeface="Arial" panose="020B0604020202020204" pitchFamily="34" charset="0"/>
+              <a:buChar char="•"/>
+              <a:defRPr sz="2400" kern="1200">
+                <a:solidFill>
+                  <a:schemeClr val="tx1"/>
+                </a:solidFill>
+                <a:latin typeface="+mn-lt"/>
+                <a:ea typeface="+mn-ea"/>
+                <a:cs typeface="+mn-cs"/>
+              </a:defRPr>
+            </a:lvl2pPr>
+            <a:lvl3pPr marL="1143000" indent="-228600" algn="l" defTabSz="914400" rtl="0" eaLnBrk="1" latinLnBrk="0" hangingPunct="1">
+              <a:lnSpc>
+                <a:spcPct val="90000"/>
+              </a:lnSpc>
+              <a:spcBef>
+                <a:spcPts val="500"/>
+              </a:spcBef>
+              <a:buFont typeface="Arial" panose="020B0604020202020204" pitchFamily="34" charset="0"/>
+              <a:buChar char="•"/>
+              <a:defRPr sz="2000" kern="1200">
+                <a:solidFill>
+                  <a:schemeClr val="tx1"/>
+                </a:solidFill>
+                <a:latin typeface="+mn-lt"/>
+                <a:ea typeface="+mn-ea"/>
+                <a:cs typeface="+mn-cs"/>
+              </a:defRPr>
+            </a:lvl3pPr>
+            <a:lvl4pPr marL="1600200" indent="-228600" algn="l" defTabSz="914400" rtl="0" eaLnBrk="1" latinLnBrk="0" hangingPunct="1">
+              <a:lnSpc>
+                <a:spcPct val="90000"/>
+              </a:lnSpc>
+              <a:spcBef>
+                <a:spcPts val="500"/>
+              </a:spcBef>
+              <a:buFont typeface="Arial" panose="020B0604020202020204" pitchFamily="34" charset="0"/>
+              <a:buChar char="•"/>
+              <a:defRPr sz="1800" kern="1200">
+                <a:solidFill>
+                  <a:schemeClr val="tx1"/>
+                </a:solidFill>
+                <a:latin typeface="+mn-lt"/>
+                <a:ea typeface="+mn-ea"/>
+                <a:cs typeface="+mn-cs"/>
+              </a:defRPr>
+            </a:lvl4pPr>
+            <a:lvl5pPr marL="2057400" indent="-228600" algn="l" defTabSz="914400" rtl="0" eaLnBrk="1" latinLnBrk="0" hangingPunct="1">
+              <a:lnSpc>
+                <a:spcPct val="90000"/>
+              </a:lnSpc>
+              <a:spcBef>
+                <a:spcPts val="500"/>
+              </a:spcBef>
+              <a:buFont typeface="Arial" panose="020B0604020202020204" pitchFamily="34" charset="0"/>
+              <a:buChar char="•"/>
+              <a:defRPr sz="1800" kern="1200">
+                <a:solidFill>
+                  <a:schemeClr val="tx1"/>
+                </a:solidFill>
+                <a:latin typeface="+mn-lt"/>
+                <a:ea typeface="+mn-ea"/>
+                <a:cs typeface="+mn-cs"/>
+              </a:defRPr>
+            </a:lvl5pPr>
+            <a:lvl6pPr marL="2514600" indent="-228600" algn="l" defTabSz="914400" rtl="0" eaLnBrk="1" latinLnBrk="0" hangingPunct="1">
+              <a:lnSpc>
+                <a:spcPct val="90000"/>
+              </a:lnSpc>
+              <a:spcBef>
+                <a:spcPts val="500"/>
+              </a:spcBef>
+              <a:buFont typeface="Arial" panose="020B0604020202020204" pitchFamily="34" charset="0"/>
+              <a:buChar char="•"/>
+              <a:defRPr sz="1800" kern="1200">
+                <a:solidFill>
+                  <a:schemeClr val="tx1"/>
+                </a:solidFill>
+                <a:latin typeface="+mn-lt"/>
+                <a:ea typeface="+mn-ea"/>
+                <a:cs typeface="+mn-cs"/>
+              </a:defRPr>
+            </a:lvl6pPr>
+            <a:lvl7pPr marL="2971800" indent="-228600" algn="l" defTabSz="914400" rtl="0" eaLnBrk="1" latinLnBrk="0" hangingPunct="1">
+              <a:lnSpc>
+                <a:spcPct val="90000"/>
+              </a:lnSpc>
+              <a:spcBef>
+                <a:spcPts val="500"/>
+              </a:spcBef>
+              <a:buFont typeface="Arial" panose="020B0604020202020204" pitchFamily="34" charset="0"/>
+              <a:buChar char="•"/>
+              <a:defRPr sz="1800" kern="1200">
+                <a:solidFill>
+                  <a:schemeClr val="tx1"/>
+                </a:solidFill>
+                <a:latin typeface="+mn-lt"/>
+                <a:ea typeface="+mn-ea"/>
+                <a:cs typeface="+mn-cs"/>
+              </a:defRPr>
+            </a:lvl7pPr>
+            <a:lvl8pPr marL="3429000" indent="-228600" algn="l" defTabSz="914400" rtl="0" eaLnBrk="1" latinLnBrk="0" hangingPunct="1">
+              <a:lnSpc>
+                <a:spcPct val="90000"/>
+              </a:lnSpc>
+              <a:spcBef>
+                <a:spcPts val="500"/>
+              </a:spcBef>
+              <a:buFont typeface="Arial" panose="020B0604020202020204" pitchFamily="34" charset="0"/>
+              <a:buChar char="•"/>
+              <a:defRPr sz="1800" kern="1200">
+                <a:solidFill>
+                  <a:schemeClr val="tx1"/>
+                </a:solidFill>
+                <a:latin typeface="+mn-lt"/>
+                <a:ea typeface="+mn-ea"/>
+                <a:cs typeface="+mn-cs"/>
+              </a:defRPr>
+            </a:lvl8pPr>
+            <a:lvl9pPr marL="3886200" indent="-228600" algn="l" defTabSz="914400" rtl="0" eaLnBrk="1" latinLnBrk="0" hangingPunct="1">
+              <a:lnSpc>
+                <a:spcPct val="90000"/>
+              </a:lnSpc>
+              <a:spcBef>
+                <a:spcPts val="500"/>
+              </a:spcBef>
+              <a:buFont typeface="Arial" panose="020B0604020202020204" pitchFamily="34" charset="0"/>
+              <a:buChar char="•"/>
+              <a:defRPr sz="1800" kern="1200">
+                <a:solidFill>
+                  <a:schemeClr val="tx1"/>
+                </a:solidFill>
+                <a:latin typeface="+mn-lt"/>
+                <a:ea typeface="+mn-ea"/>
+                <a:cs typeface="+mn-cs"/>
+              </a:defRPr>
+            </a:lvl9pPr>
+          </a:lstStyle>
+          <a:p>
+            <a:pPr marL="0" indent="0">
+              <a:buNone/>
+            </a:pPr>
+            <a:r>
+              <a:rPr lang="en-GB" sz="2000" dirty="0">
+                <a:solidFill>
+                  <a:srgbClr val="FF0000"/>
+                </a:solidFill>
+              </a:rPr>
+              <a:t>Power BI has limits on the length of DAX measures (~32k characters)</a:t>
+            </a:r>
+          </a:p>
+        </p:txBody>
+      </p:sp>
     </p:spTree>
     <p:extLst>
       <p:ext uri="{BB962C8B-B14F-4D97-AF65-F5344CB8AC3E}">
@@ -21214,7 +21814,7 @@
 </p:sld>
 </file>
 
-<file path=ppt/slides/slide22.xml><?xml version="1.0" encoding="utf-8"?>
+<file path=ppt/slides/slide23.xml><?xml version="1.0" encoding="utf-8"?>
 <p:sld xmlns:a="http://schemas.openxmlformats.org/drawingml/2006/main" xmlns:r="http://schemas.openxmlformats.org/officeDocument/2006/relationships" xmlns:p="http://schemas.openxmlformats.org/presentationml/2006/main">
   <p:cSld>
     <p:spTree>
@@ -21348,7 +21948,7 @@
 </p:sld>
 </file>
 
-<file path=ppt/slides/slide23.xml><?xml version="1.0" encoding="utf-8"?>
+<file path=ppt/slides/slide24.xml><?xml version="1.0" encoding="utf-8"?>
 <p:sld xmlns:a="http://schemas.openxmlformats.org/drawingml/2006/main" xmlns:r="http://schemas.openxmlformats.org/officeDocument/2006/relationships" xmlns:p="http://schemas.openxmlformats.org/presentationml/2006/main">
   <p:cSld>
     <p:spTree>
@@ -23818,7 +24418,7 @@
 </p:sld>
 </file>
 
-<file path=ppt/slides/slide24.xml><?xml version="1.0" encoding="utf-8"?>
+<file path=ppt/slides/slide25.xml><?xml version="1.0" encoding="utf-8"?>
 <p:sld xmlns:a="http://schemas.openxmlformats.org/drawingml/2006/main" xmlns:r="http://schemas.openxmlformats.org/officeDocument/2006/relationships" xmlns:p="http://schemas.openxmlformats.org/presentationml/2006/main">
   <p:cSld>
     <p:spTree>
@@ -23945,6 +24545,53 @@
               </a:rPr>
               <a:t>SVG Portfolio</a:t>
             </a:r>
+            <a:endParaRPr lang="en-GB" dirty="0"/>
+          </a:p>
+          <a:p>
+            <a:r>
+              <a:rPr lang="en-GB" dirty="0">
+                <a:hlinkClick r:id="rId6"/>
+              </a:rPr>
+              <a:t>Kurt Buhler</a:t>
+            </a:r>
+            <a:endParaRPr lang="en-GB" dirty="0"/>
+          </a:p>
+          <a:p>
+            <a:pPr lvl="1"/>
+            <a:r>
+              <a:rPr lang="en-GB" dirty="0">
+                <a:hlinkClick r:id="rId7"/>
+              </a:rPr>
+              <a:t>Github [data-goblin/</a:t>
+            </a:r>
+            <a:r>
+              <a:rPr lang="en-GB" dirty="0" err="1">
+                <a:hlinkClick r:id="rId7"/>
+              </a:rPr>
+              <a:t>powerbi</a:t>
+            </a:r>
+            <a:r>
+              <a:rPr lang="en-GB" dirty="0">
+                <a:hlinkClick r:id="rId7"/>
+              </a:rPr>
+              <a:t>-</a:t>
+            </a:r>
+            <a:r>
+              <a:rPr lang="en-GB" dirty="0" err="1">
+                <a:hlinkClick r:id="rId7"/>
+              </a:rPr>
+              <a:t>macguyver</a:t>
+            </a:r>
+            <a:r>
+              <a:rPr lang="en-GB" dirty="0">
+                <a:hlinkClick r:id="rId7"/>
+              </a:rPr>
+              <a:t>-toolbox</a:t>
+            </a:r>
+            <a:endParaRPr lang="en-GB" dirty="0"/>
+          </a:p>
+          <a:p>
+            <a:pPr lvl="1"/>
             <a:endParaRPr lang="en-GB" dirty="0"/>
           </a:p>
         </p:txBody>
@@ -24032,7 +24679,7 @@
             <p:ph idx="1"/>
             <p:extLst>
               <p:ext uri="{D42A27DB-BD31-4B8C-83A1-F6EECF244321}">
-                <p14:modId xmlns:p14="http://schemas.microsoft.com/office/powerpoint/2010/main" val="249121381"/>
+                <p14:modId xmlns:p14="http://schemas.microsoft.com/office/powerpoint/2010/main" val="3809377207"/>
               </p:ext>
             </p:extLst>
           </p:nvPr>
@@ -24165,7 +24812,7 @@
                       </a:pPr>
                       <a:r>
                         <a:rPr lang="en-GB" dirty="0"/>
-                        <a:t>Defined as Code (XML)</a:t>
+                        <a:t>Defined as Code</a:t>
                       </a:r>
                     </a:p>
                     <a:p>
@@ -24201,6 +24848,96 @@
           </a:graphicData>
         </a:graphic>
       </p:graphicFrame>
+      <p:pic>
+        <p:nvPicPr>
+          <p:cNvPr id="3" name="Picture 2">
+            <a:extLst>
+              <a:ext uri="{FF2B5EF4-FFF2-40B4-BE49-F238E27FC236}">
+                <a16:creationId xmlns:a16="http://schemas.microsoft.com/office/drawing/2014/main" id="{CA4CC03B-0ECA-4EC2-D04B-A6EC5B6D1988}"/>
+              </a:ext>
+            </a:extLst>
+          </p:cNvPr>
+          <p:cNvPicPr>
+            <a:picLocks noChangeAspect="1"/>
+          </p:cNvPicPr>
+          <p:nvPr/>
+        </p:nvPicPr>
+        <p:blipFill>
+          <a:blip r:embed="rId2"/>
+          <a:stretch>
+            <a:fillRect/>
+          </a:stretch>
+        </p:blipFill>
+        <p:spPr>
+          <a:xfrm>
+            <a:off x="2263775" y="3520122"/>
+            <a:ext cx="2381250" cy="2590800"/>
+          </a:xfrm>
+          <a:prstGeom prst="rect">
+            <a:avLst/>
+          </a:prstGeom>
+        </p:spPr>
+      </p:pic>
+      <p:pic>
+        <p:nvPicPr>
+          <p:cNvPr id="8" name="Picture 7">
+            <a:extLst>
+              <a:ext uri="{FF2B5EF4-FFF2-40B4-BE49-F238E27FC236}">
+                <a16:creationId xmlns:a16="http://schemas.microsoft.com/office/drawing/2014/main" id="{B9FB57FB-0D7D-50A3-593E-ABFADF43CDF0}"/>
+              </a:ext>
+            </a:extLst>
+          </p:cNvPr>
+          <p:cNvPicPr>
+            <a:picLocks noChangeAspect="1"/>
+          </p:cNvPicPr>
+          <p:nvPr/>
+        </p:nvPicPr>
+        <p:blipFill>
+          <a:blip r:embed="rId3"/>
+          <a:stretch>
+            <a:fillRect/>
+          </a:stretch>
+        </p:blipFill>
+        <p:spPr>
+          <a:xfrm>
+            <a:off x="6080746" y="3520122"/>
+            <a:ext cx="5228136" cy="742661"/>
+          </a:xfrm>
+          <a:prstGeom prst="rect">
+            <a:avLst/>
+          </a:prstGeom>
+        </p:spPr>
+      </p:pic>
+      <p:pic>
+        <p:nvPicPr>
+          <p:cNvPr id="9" name="Picture 8">
+            <a:extLst>
+              <a:ext uri="{FF2B5EF4-FFF2-40B4-BE49-F238E27FC236}">
+                <a16:creationId xmlns:a16="http://schemas.microsoft.com/office/drawing/2014/main" id="{81400E05-2D83-03B9-2A62-3C224837D6B5}"/>
+              </a:ext>
+            </a:extLst>
+          </p:cNvPr>
+          <p:cNvPicPr>
+            <a:picLocks noChangeAspect="1"/>
+          </p:cNvPicPr>
+          <p:nvPr/>
+        </p:nvPicPr>
+        <p:blipFill>
+          <a:blip r:embed="rId4"/>
+          <a:stretch>
+            <a:fillRect/>
+          </a:stretch>
+        </p:blipFill>
+        <p:spPr>
+          <a:xfrm>
+            <a:off x="7991532" y="4463003"/>
+            <a:ext cx="1482195" cy="1482195"/>
+          </a:xfrm>
+          <a:prstGeom prst="rect">
+            <a:avLst/>
+          </a:prstGeom>
+        </p:spPr>
+      </p:pic>
     </p:spTree>
     <p:extLst>
       <p:ext uri="{BB962C8B-B14F-4D97-AF65-F5344CB8AC3E}">
@@ -24929,6 +25666,146 @@
         <p:cNvPr id="1" name="">
           <a:extLst>
             <a:ext uri="{FF2B5EF4-FFF2-40B4-BE49-F238E27FC236}">
+              <a16:creationId xmlns:a16="http://schemas.microsoft.com/office/drawing/2014/main" id="{C231DCCC-D6AD-2846-9D9E-4FE0D5E27C52}"/>
+            </a:ext>
+          </a:extLst>
+        </p:cNvPr>
+        <p:cNvGrpSpPr/>
+        <p:nvPr/>
+      </p:nvGrpSpPr>
+      <p:grpSpPr>
+        <a:xfrm>
+          <a:off x="0" y="0"/>
+          <a:ext cx="0" cy="0"/>
+          <a:chOff x="0" y="0"/>
+          <a:chExt cx="0" cy="0"/>
+        </a:xfrm>
+      </p:grpSpPr>
+      <p:sp>
+        <p:nvSpPr>
+          <p:cNvPr id="2" name="Title 1">
+            <a:extLst>
+              <a:ext uri="{FF2B5EF4-FFF2-40B4-BE49-F238E27FC236}">
+                <a16:creationId xmlns:a16="http://schemas.microsoft.com/office/drawing/2014/main" id="{A4F0959C-EFF4-F462-0E98-E621810BA603}"/>
+              </a:ext>
+            </a:extLst>
+          </p:cNvPr>
+          <p:cNvSpPr>
+            <a:spLocks noGrp="1"/>
+          </p:cNvSpPr>
+          <p:nvPr>
+            <p:ph type="title"/>
+          </p:nvPr>
+        </p:nvSpPr>
+        <p:spPr/>
+        <p:txBody>
+          <a:bodyPr/>
+          <a:lstStyle/>
+          <a:p>
+            <a:r>
+              <a:rPr lang="en-GB" sz="4400" b="1" dirty="0">
+                <a:solidFill>
+                  <a:srgbClr val="074D49"/>
+                </a:solidFill>
+                <a:highlight>
+                  <a:srgbClr val="FFFFFF"/>
+                </a:highlight>
+                <a:latin typeface="Graphik Meetup"/>
+              </a:rPr>
+              <a:t>Which Visuals support SVGs</a:t>
+            </a:r>
+            <a:endParaRPr lang="en-GB" dirty="0"/>
+          </a:p>
+        </p:txBody>
+      </p:sp>
+      <p:sp>
+        <p:nvSpPr>
+          <p:cNvPr id="3" name="Content Placeholder 2">
+            <a:extLst>
+              <a:ext uri="{FF2B5EF4-FFF2-40B4-BE49-F238E27FC236}">
+                <a16:creationId xmlns:a16="http://schemas.microsoft.com/office/drawing/2014/main" id="{368E64A4-9D20-864A-BBA1-908197E3FD46}"/>
+              </a:ext>
+            </a:extLst>
+          </p:cNvPr>
+          <p:cNvSpPr>
+            <a:spLocks noGrp="1"/>
+          </p:cNvSpPr>
+          <p:nvPr>
+            <p:ph idx="1"/>
+          </p:nvPr>
+        </p:nvSpPr>
+        <p:spPr/>
+        <p:txBody>
+          <a:bodyPr>
+            <a:normAutofit/>
+          </a:bodyPr>
+          <a:lstStyle/>
+          <a:p>
+            <a:r>
+              <a:rPr lang="en-GB" dirty="0"/>
+              <a:t>Table</a:t>
+            </a:r>
+          </a:p>
+          <a:p>
+            <a:r>
+              <a:rPr lang="en-GB" dirty="0"/>
+              <a:t>Matrix</a:t>
+            </a:r>
+          </a:p>
+          <a:p>
+            <a:r>
+              <a:rPr lang="en-GB" dirty="0"/>
+              <a:t>New Card</a:t>
+            </a:r>
+          </a:p>
+          <a:p>
+            <a:r>
+              <a:rPr lang="en-GB" dirty="0"/>
+              <a:t>New Button Slicer</a:t>
+            </a:r>
+          </a:p>
+          <a:p>
+            <a:endParaRPr lang="en-GB" dirty="0"/>
+          </a:p>
+          <a:p>
+            <a:endParaRPr lang="en-GB" dirty="0"/>
+          </a:p>
+          <a:p>
+            <a:r>
+              <a:rPr lang="en-GB" dirty="0"/>
+              <a:t>Defined as measures</a:t>
+            </a:r>
+          </a:p>
+          <a:p>
+            <a:pPr lvl="1"/>
+            <a:r>
+              <a:rPr lang="en-GB" dirty="0"/>
+              <a:t>Data Category: Image URL</a:t>
+            </a:r>
+          </a:p>
+        </p:txBody>
+      </p:sp>
+    </p:spTree>
+    <p:extLst>
+      <p:ext uri="{BB962C8B-B14F-4D97-AF65-F5344CB8AC3E}">
+        <p14:creationId xmlns:p14="http://schemas.microsoft.com/office/powerpoint/2010/main" val="1653492328"/>
+      </p:ext>
+    </p:extLst>
+  </p:cSld>
+  <p:clrMapOvr>
+    <a:masterClrMapping/>
+  </p:clrMapOvr>
+</p:sld>
+</file>
+
+<file path=ppt/slides/slide6.xml><?xml version="1.0" encoding="utf-8"?>
+<p:sld xmlns:a="http://schemas.openxmlformats.org/drawingml/2006/main" xmlns:r="http://schemas.openxmlformats.org/officeDocument/2006/relationships" xmlns:p="http://schemas.openxmlformats.org/presentationml/2006/main">
+  <p:cSld>
+    <p:spTree>
+      <p:nvGrpSpPr>
+        <p:cNvPr id="1" name="">
+          <a:extLst>
+            <a:ext uri="{FF2B5EF4-FFF2-40B4-BE49-F238E27FC236}">
               <a16:creationId xmlns:a16="http://schemas.microsoft.com/office/drawing/2014/main" id="{036F49B8-1563-1513-6C80-C0643AAFAD5B}"/>
             </a:ext>
           </a:extLst>
@@ -25019,7 +25896,7 @@
 </p:sld>
 </file>
 
-<file path=ppt/slides/slide6.xml><?xml version="1.0" encoding="utf-8"?>
+<file path=ppt/slides/slide7.xml><?xml version="1.0" encoding="utf-8"?>
 <p:sld xmlns:a="http://schemas.openxmlformats.org/drawingml/2006/main" xmlns:r="http://schemas.openxmlformats.org/officeDocument/2006/relationships" xmlns:p="http://schemas.openxmlformats.org/presentationml/2006/main">
   <p:cSld>
     <p:spTree>
@@ -26630,372 +27507,7 @@
 </p:sld>
 </file>
 
-<file path=ppt/slides/slide7.xml><?xml version="1.0" encoding="utf-8"?>
-<p:sld xmlns:a="http://schemas.openxmlformats.org/drawingml/2006/main" xmlns:r="http://schemas.openxmlformats.org/officeDocument/2006/relationships" xmlns:p="http://schemas.openxmlformats.org/presentationml/2006/main">
-  <p:cSld>
-    <p:spTree>
-      <p:nvGrpSpPr>
-        <p:cNvPr id="1" name="">
-          <a:extLst>
-            <a:ext uri="{FF2B5EF4-FFF2-40B4-BE49-F238E27FC236}">
-              <a16:creationId xmlns:a16="http://schemas.microsoft.com/office/drawing/2014/main" id="{36AFE84C-7549-05F8-AFB5-2734DA92E4EB}"/>
-            </a:ext>
-          </a:extLst>
-        </p:cNvPr>
-        <p:cNvGrpSpPr/>
-        <p:nvPr/>
-      </p:nvGrpSpPr>
-      <p:grpSpPr>
-        <a:xfrm>
-          <a:off x="0" y="0"/>
-          <a:ext cx="0" cy="0"/>
-          <a:chOff x="0" y="0"/>
-          <a:chExt cx="0" cy="0"/>
-        </a:xfrm>
-      </p:grpSpPr>
-      <p:sp>
-        <p:nvSpPr>
-          <p:cNvPr id="12" name="Title 1">
-            <a:extLst>
-              <a:ext uri="{FF2B5EF4-FFF2-40B4-BE49-F238E27FC236}">
-                <a16:creationId xmlns:a16="http://schemas.microsoft.com/office/drawing/2014/main" id="{A89E304B-8D72-8421-3589-D94EB5B4DD9C}"/>
-              </a:ext>
-            </a:extLst>
-          </p:cNvPr>
-          <p:cNvSpPr txBox="1">
-            <a:spLocks/>
-          </p:cNvSpPr>
-          <p:nvPr/>
-        </p:nvSpPr>
-        <p:spPr>
-          <a:xfrm>
-            <a:off x="838200" y="2709908"/>
-            <a:ext cx="10593977" cy="1325563"/>
-          </a:xfrm>
-          <a:prstGeom prst="rect">
-            <a:avLst/>
-          </a:prstGeom>
-        </p:spPr>
-        <p:txBody>
-          <a:bodyPr vert="horz" lIns="91440" tIns="45720" rIns="91440" bIns="45720" rtlCol="0" anchor="ctr">
-            <a:normAutofit/>
-          </a:bodyPr>
-          <a:lstStyle>
-            <a:lvl1pPr algn="l" defTabSz="914400" rtl="0" eaLnBrk="1" latinLnBrk="0" hangingPunct="1">
-              <a:lnSpc>
-                <a:spcPct val="90000"/>
-              </a:lnSpc>
-              <a:spcBef>
-                <a:spcPct val="0"/>
-              </a:spcBef>
-              <a:buNone/>
-              <a:defRPr sz="4400" kern="1200">
-                <a:solidFill>
-                  <a:schemeClr val="tx1"/>
-                </a:solidFill>
-                <a:latin typeface="+mj-lt"/>
-                <a:ea typeface="+mj-ea"/>
-                <a:cs typeface="+mj-cs"/>
-              </a:defRPr>
-            </a:lvl1pPr>
-          </a:lstStyle>
-          <a:p>
-            <a:r>
-              <a:rPr lang="en-GB" sz="4800" b="1" dirty="0">
-                <a:solidFill>
-                  <a:srgbClr val="074D49"/>
-                </a:solidFill>
-                <a:highlight>
-                  <a:srgbClr val="FFFFFF"/>
-                </a:highlight>
-                <a:latin typeface="Graphik Meetup"/>
-              </a:rPr>
-              <a:t>Sparklines</a:t>
-            </a:r>
-          </a:p>
-        </p:txBody>
-      </p:sp>
-    </p:spTree>
-    <p:extLst>
-      <p:ext uri="{BB962C8B-B14F-4D97-AF65-F5344CB8AC3E}">
-        <p14:creationId xmlns:p14="http://schemas.microsoft.com/office/powerpoint/2010/main" val="2677008088"/>
-      </p:ext>
-    </p:extLst>
-  </p:cSld>
-  <p:clrMapOvr>
-    <a:masterClrMapping/>
-  </p:clrMapOvr>
-</p:sld>
-</file>
-
 <file path=ppt/slides/slide8.xml><?xml version="1.0" encoding="utf-8"?>
-<p:sld xmlns:a="http://schemas.openxmlformats.org/drawingml/2006/main" xmlns:r="http://schemas.openxmlformats.org/officeDocument/2006/relationships" xmlns:p="http://schemas.openxmlformats.org/presentationml/2006/main">
-  <p:cSld>
-    <p:spTree>
-      <p:nvGrpSpPr>
-        <p:cNvPr id="1" name=""/>
-        <p:cNvGrpSpPr/>
-        <p:nvPr/>
-      </p:nvGrpSpPr>
-      <p:grpSpPr>
-        <a:xfrm>
-          <a:off x="0" y="0"/>
-          <a:ext cx="0" cy="0"/>
-          <a:chOff x="0" y="0"/>
-          <a:chExt cx="0" cy="0"/>
-        </a:xfrm>
-      </p:grpSpPr>
-      <p:sp>
-        <p:nvSpPr>
-          <p:cNvPr id="2" name="Title 1">
-            <a:extLst>
-              <a:ext uri="{FF2B5EF4-FFF2-40B4-BE49-F238E27FC236}">
-                <a16:creationId xmlns:a16="http://schemas.microsoft.com/office/drawing/2014/main" id="{84ED6C3C-6C62-8EB4-65A9-32FBB2F3045F}"/>
-              </a:ext>
-            </a:extLst>
-          </p:cNvPr>
-          <p:cNvSpPr>
-            <a:spLocks noGrp="1"/>
-          </p:cNvSpPr>
-          <p:nvPr>
-            <p:ph type="title"/>
-          </p:nvPr>
-        </p:nvSpPr>
-        <p:spPr/>
-        <p:txBody>
-          <a:bodyPr/>
-          <a:lstStyle/>
-          <a:p>
-            <a:r>
-              <a:rPr lang="en-GB" sz="4400" b="1" dirty="0">
-                <a:solidFill>
-                  <a:srgbClr val="074D49"/>
-                </a:solidFill>
-                <a:highlight>
-                  <a:srgbClr val="FFFFFF"/>
-                </a:highlight>
-                <a:latin typeface="Graphik Meetup"/>
-              </a:rPr>
-              <a:t>What Can We Learn From Sparklines?</a:t>
-            </a:r>
-            <a:endParaRPr lang="en-GB" dirty="0"/>
-          </a:p>
-        </p:txBody>
-      </p:sp>
-      <p:sp>
-        <p:nvSpPr>
-          <p:cNvPr id="3" name="Content Placeholder 2">
-            <a:extLst>
-              <a:ext uri="{FF2B5EF4-FFF2-40B4-BE49-F238E27FC236}">
-                <a16:creationId xmlns:a16="http://schemas.microsoft.com/office/drawing/2014/main" id="{F969A0FC-9A86-E5FD-EF82-96333727E304}"/>
-              </a:ext>
-            </a:extLst>
-          </p:cNvPr>
-          <p:cNvSpPr>
-            <a:spLocks noGrp="1"/>
-          </p:cNvSpPr>
-          <p:nvPr>
-            <p:ph idx="1"/>
-          </p:nvPr>
-        </p:nvSpPr>
-        <p:spPr/>
-        <p:txBody>
-          <a:bodyPr>
-            <a:normAutofit/>
-          </a:bodyPr>
-          <a:lstStyle/>
-          <a:p>
-            <a:r>
-              <a:rPr lang="en-GB" sz="2000" dirty="0"/>
-              <a:t>Structured like SVG</a:t>
-            </a:r>
-            <a:endParaRPr lang="en-GB" sz="2000" dirty="0">
-              <a:latin typeface="Consolas" panose="020B0609020204030204" pitchFamily="49" charset="0"/>
-            </a:endParaRPr>
-          </a:p>
-          <a:p>
-            <a:pPr marL="457200" lvl="1" indent="0">
-              <a:buNone/>
-            </a:pPr>
-            <a:r>
-              <a:rPr lang="en-GB" sz="1800" dirty="0">
-                <a:latin typeface="Consolas" panose="020B0609020204030204" pitchFamily="49" charset="0"/>
-              </a:rPr>
-              <a:t>"{""p"":</a:t>
-            </a:r>
-          </a:p>
-          <a:p>
-            <a:pPr marL="457200" lvl="1" indent="0">
-              <a:buNone/>
-            </a:pPr>
-            <a:r>
-              <a:rPr lang="en-GB" sz="1800" dirty="0">
-                <a:latin typeface="Consolas" panose="020B0609020204030204" pitchFamily="49" charset="0"/>
-              </a:rPr>
-              <a:t>[[45725,100.0], … [45754,31.0]],</a:t>
-            </a:r>
-          </a:p>
-          <a:p>
-            <a:pPr marL="457200" lvl="1" indent="0">
-              <a:buNone/>
-            </a:pPr>
-            <a:r>
-              <a:rPr lang="en-GB" sz="1800" dirty="0">
-                <a:latin typeface="Consolas" panose="020B0609020204030204" pitchFamily="49" charset="0"/>
-              </a:rPr>
-              <a:t>""yl"":3314,</a:t>
-            </a:r>
-          </a:p>
-          <a:p>
-            <a:pPr marL="457200" lvl="1" indent="0">
-              <a:buNone/>
-            </a:pPr>
-            <a:r>
-              <a:rPr lang="en-GB" sz="1800" dirty="0">
-                <a:latin typeface="Consolas" panose="020B0609020204030204" pitchFamily="49" charset="0"/>
-              </a:rPr>
-              <a:t>""yh"":7360,</a:t>
-            </a:r>
-          </a:p>
-          <a:p>
-            <a:pPr marL="457200" lvl="1" indent="0">
-              <a:buNone/>
-            </a:pPr>
-            <a:r>
-              <a:rPr lang="en-GB" sz="1800" dirty="0">
-                <a:latin typeface="Consolas" panose="020B0609020204030204" pitchFamily="49" charset="0"/>
-              </a:rPr>
-              <a:t>""xl"":45725,</a:t>
-            </a:r>
-          </a:p>
-          <a:p>
-            <a:pPr marL="457200" lvl="1" indent="0">
-              <a:buNone/>
-            </a:pPr>
-            <a:r>
-              <a:rPr lang="en-GB" sz="1800" dirty="0">
-                <a:latin typeface="Consolas" panose="020B0609020204030204" pitchFamily="49" charset="0"/>
-              </a:rPr>
-              <a:t>""xh"":45755,</a:t>
-            </a:r>
-          </a:p>
-          <a:p>
-            <a:pPr marL="457200" lvl="1" indent="0">
-              <a:buNone/>
-            </a:pPr>
-            <a:r>
-              <a:rPr lang="en-GB" sz="1800" dirty="0">
-                <a:latin typeface="Consolas" panose="020B0609020204030204" pitchFamily="49" charset="0"/>
-              </a:rPr>
-              <a:t>""md"":1</a:t>
-            </a:r>
-          </a:p>
-          <a:p>
-            <a:pPr marL="457200" lvl="1" indent="0">
-              <a:buNone/>
-            </a:pPr>
-            <a:r>
-              <a:rPr lang="en-GB" sz="1800" dirty="0">
-                <a:latin typeface="Consolas" panose="020B0609020204030204" pitchFamily="49" charset="0"/>
-              </a:rPr>
-              <a:t>}"</a:t>
-            </a:r>
-          </a:p>
-          <a:p>
-            <a:r>
-              <a:rPr lang="en-GB" sz="2000" dirty="0"/>
-              <a:t>Creates an </a:t>
-            </a:r>
-            <a:r>
-              <a:rPr lang="en-GB" sz="2000" dirty="0" err="1"/>
-              <a:t>adhoc</a:t>
-            </a:r>
-            <a:r>
-              <a:rPr lang="en-GB" sz="2000" dirty="0"/>
-              <a:t> measure with a performant query template for generating dynamic SVGs</a:t>
-            </a:r>
-            <a:endParaRPr lang="en-GB" sz="2000" dirty="0">
-              <a:latin typeface="Consolas" panose="020B0609020204030204" pitchFamily="49" charset="0"/>
-            </a:endParaRPr>
-          </a:p>
-          <a:p>
-            <a:pPr marL="0" indent="0">
-              <a:buNone/>
-            </a:pPr>
-            <a:endParaRPr lang="en-GB" sz="2000" dirty="0">
-              <a:latin typeface="Consolas" panose="020B0609020204030204" pitchFamily="49" charset="0"/>
-            </a:endParaRPr>
-          </a:p>
-          <a:p>
-            <a:pPr marL="0" indent="0">
-              <a:buNone/>
-            </a:pPr>
-            <a:endParaRPr lang="en-GB" sz="2000" dirty="0">
-              <a:latin typeface="Consolas" panose="020B0609020204030204" pitchFamily="49" charset="0"/>
-            </a:endParaRPr>
-          </a:p>
-        </p:txBody>
-      </p:sp>
-      <p:sp>
-        <p:nvSpPr>
-          <p:cNvPr id="5" name="TextBox 4">
-            <a:extLst>
-              <a:ext uri="{FF2B5EF4-FFF2-40B4-BE49-F238E27FC236}">
-                <a16:creationId xmlns:a16="http://schemas.microsoft.com/office/drawing/2014/main" id="{B757CE0F-7F30-098A-6CAB-BAF76F56FF67}"/>
-              </a:ext>
-            </a:extLst>
-          </p:cNvPr>
-          <p:cNvSpPr txBox="1"/>
-          <p:nvPr/>
-        </p:nvSpPr>
-        <p:spPr>
-          <a:xfrm>
-            <a:off x="190500" y="6438384"/>
-            <a:ext cx="11830050" cy="369332"/>
-          </a:xfrm>
-          <a:prstGeom prst="rect">
-            <a:avLst/>
-          </a:prstGeom>
-          <a:noFill/>
-        </p:spPr>
-        <p:txBody>
-          <a:bodyPr wrap="square">
-            <a:spAutoFit/>
-          </a:bodyPr>
-          <a:lstStyle/>
-          <a:p>
-            <a:pPr algn="ctr"/>
-            <a:r>
-              <a:rPr lang="en-GB" dirty="0">
-                <a:solidFill>
-                  <a:srgbClr val="1CC0A5"/>
-                </a:solidFill>
-                <a:hlinkClick r:id="rId2"/>
-              </a:rPr>
-              <a:t>https://evaluationcontext.github.io/posts/SVG-Sparkline/</a:t>
-            </a:r>
-            <a:endParaRPr lang="en-GB" dirty="0">
-              <a:solidFill>
-                <a:srgbClr val="1CC0A5"/>
-              </a:solidFill>
-            </a:endParaRPr>
-          </a:p>
-        </p:txBody>
-      </p:sp>
-    </p:spTree>
-    <p:extLst>
-      <p:ext uri="{BB962C8B-B14F-4D97-AF65-F5344CB8AC3E}">
-        <p14:creationId xmlns:p14="http://schemas.microsoft.com/office/powerpoint/2010/main" val="3415868673"/>
-      </p:ext>
-    </p:extLst>
-  </p:cSld>
-  <p:clrMapOvr>
-    <a:masterClrMapping/>
-  </p:clrMapOvr>
-</p:sld>
-</file>
-
-<file path=ppt/slides/slide9.xml><?xml version="1.0" encoding="utf-8"?>
 <p:sld xmlns:a="http://schemas.openxmlformats.org/drawingml/2006/main" xmlns:r="http://schemas.openxmlformats.org/officeDocument/2006/relationships" xmlns:p="http://schemas.openxmlformats.org/presentationml/2006/main">
   <p:cSld>
     <p:spTree>
@@ -27084,6 +27596,150 @@
     <p:extLst>
       <p:ext uri="{BB962C8B-B14F-4D97-AF65-F5344CB8AC3E}">
         <p14:creationId xmlns:p14="http://schemas.microsoft.com/office/powerpoint/2010/main" val="3072066856"/>
+      </p:ext>
+    </p:extLst>
+  </p:cSld>
+  <p:clrMapOvr>
+    <a:masterClrMapping/>
+  </p:clrMapOvr>
+</p:sld>
+</file>
+
+<file path=ppt/slides/slide9.xml><?xml version="1.0" encoding="utf-8"?>
+<p:sld xmlns:a="http://schemas.openxmlformats.org/drawingml/2006/main" xmlns:r="http://schemas.openxmlformats.org/officeDocument/2006/relationships" xmlns:p="http://schemas.openxmlformats.org/presentationml/2006/main">
+  <p:cSld>
+    <p:spTree>
+      <p:nvGrpSpPr>
+        <p:cNvPr id="1" name="">
+          <a:extLst>
+            <a:ext uri="{FF2B5EF4-FFF2-40B4-BE49-F238E27FC236}">
+              <a16:creationId xmlns:a16="http://schemas.microsoft.com/office/drawing/2014/main" id="{6AB7D9D8-72A9-8E72-DDC6-BE3A61AFC098}"/>
+            </a:ext>
+          </a:extLst>
+        </p:cNvPr>
+        <p:cNvGrpSpPr/>
+        <p:nvPr/>
+      </p:nvGrpSpPr>
+      <p:grpSpPr>
+        <a:xfrm>
+          <a:off x="0" y="0"/>
+          <a:ext cx="0" cy="0"/>
+          <a:chOff x="0" y="0"/>
+          <a:chExt cx="0" cy="0"/>
+        </a:xfrm>
+      </p:grpSpPr>
+      <p:sp>
+        <p:nvSpPr>
+          <p:cNvPr id="2" name="Title 1">
+            <a:extLst>
+              <a:ext uri="{FF2B5EF4-FFF2-40B4-BE49-F238E27FC236}">
+                <a16:creationId xmlns:a16="http://schemas.microsoft.com/office/drawing/2014/main" id="{BAAB7F54-B282-35BB-188E-CF1AB427C9AB}"/>
+              </a:ext>
+            </a:extLst>
+          </p:cNvPr>
+          <p:cNvSpPr>
+            <a:spLocks noGrp="1"/>
+          </p:cNvSpPr>
+          <p:nvPr>
+            <p:ph type="title"/>
+          </p:nvPr>
+        </p:nvSpPr>
+        <p:spPr/>
+        <p:txBody>
+          <a:bodyPr/>
+          <a:lstStyle/>
+          <a:p>
+            <a:r>
+              <a:rPr lang="en-GB" sz="4400" b="1" dirty="0">
+                <a:solidFill>
+                  <a:srgbClr val="074D49"/>
+                </a:solidFill>
+                <a:highlight>
+                  <a:srgbClr val="FFFFFF"/>
+                </a:highlight>
+                <a:latin typeface="Graphik Meetup"/>
+              </a:rPr>
+              <a:t>Creating a SVG Graph</a:t>
+            </a:r>
+            <a:endParaRPr lang="en-GB" dirty="0"/>
+          </a:p>
+        </p:txBody>
+      </p:sp>
+      <p:sp>
+        <p:nvSpPr>
+          <p:cNvPr id="10" name="Content Placeholder 9">
+            <a:extLst>
+              <a:ext uri="{FF2B5EF4-FFF2-40B4-BE49-F238E27FC236}">
+                <a16:creationId xmlns:a16="http://schemas.microsoft.com/office/drawing/2014/main" id="{E5A7C631-5962-1D98-BB6B-B8C82518730B}"/>
+              </a:ext>
+            </a:extLst>
+          </p:cNvPr>
+          <p:cNvSpPr>
+            <a:spLocks noGrp="1"/>
+          </p:cNvSpPr>
+          <p:nvPr>
+            <p:ph idx="1"/>
+          </p:nvPr>
+        </p:nvSpPr>
+        <p:spPr/>
+        <p:txBody>
+          <a:bodyPr/>
+          <a:lstStyle/>
+          <a:p>
+            <a:r>
+              <a:rPr lang="en-GB" dirty="0"/>
+              <a:t>Define marks</a:t>
+            </a:r>
+          </a:p>
+          <a:p>
+            <a:pPr lvl="1"/>
+            <a:r>
+              <a:rPr lang="en-GB" dirty="0"/>
+              <a:t>Line, </a:t>
+            </a:r>
+            <a:r>
+              <a:rPr lang="en-GB" dirty="0" err="1"/>
+              <a:t>Rect</a:t>
+            </a:r>
+            <a:r>
+              <a:rPr lang="en-GB" dirty="0"/>
+              <a:t>, Circle</a:t>
+            </a:r>
+          </a:p>
+          <a:p>
+            <a:r>
+              <a:rPr lang="en-GB" dirty="0"/>
+              <a:t>Define Scale</a:t>
+            </a:r>
+          </a:p>
+          <a:p>
+            <a:pPr lvl="1"/>
+            <a:r>
+              <a:rPr lang="en-GB" dirty="0"/>
+              <a:t>X, Y, size, colour</a:t>
+            </a:r>
+          </a:p>
+          <a:p>
+            <a:r>
+              <a:rPr lang="en-GB" dirty="0"/>
+              <a:t>Map data to marks</a:t>
+            </a:r>
+          </a:p>
+          <a:p>
+            <a:r>
+              <a:rPr lang="en-GB" dirty="0"/>
+              <a:t>Map data scale to SVG scale</a:t>
+            </a:r>
+          </a:p>
+          <a:p>
+            <a:endParaRPr lang="en-GB" dirty="0"/>
+          </a:p>
+        </p:txBody>
+      </p:sp>
+    </p:spTree>
+    <p:extLst>
+      <p:ext uri="{BB962C8B-B14F-4D97-AF65-F5344CB8AC3E}">
+        <p14:creationId xmlns:p14="http://schemas.microsoft.com/office/powerpoint/2010/main" val="2778347506"/>
       </p:ext>
     </p:extLst>
   </p:cSld>
